--- a/Machine_Learning_in_Online_Marketing.pptx
+++ b/Machine_Learning_in_Online_Marketing.pptx
@@ -5,10 +5,10 @@
     <p:sldMasterId id="2147483648" r:id="rId4"/>
   </p:sldMasterIdLst>
   <p:notesMasterIdLst>
-    <p:notesMasterId r:id="rId24"/>
+    <p:notesMasterId r:id="rId23"/>
   </p:notesMasterIdLst>
   <p:handoutMasterIdLst>
-    <p:handoutMasterId r:id="rId25"/>
+    <p:handoutMasterId r:id="rId24"/>
   </p:handoutMasterIdLst>
   <p:sldIdLst>
     <p:sldId id="256" r:id="rId5"/>
@@ -17,19 +17,18 @@
     <p:sldId id="294" r:id="rId8"/>
     <p:sldId id="303" r:id="rId9"/>
     <p:sldId id="302" r:id="rId10"/>
-    <p:sldId id="295" r:id="rId11"/>
-    <p:sldId id="306" r:id="rId12"/>
-    <p:sldId id="296" r:id="rId13"/>
-    <p:sldId id="298" r:id="rId14"/>
-    <p:sldId id="299" r:id="rId15"/>
-    <p:sldId id="301" r:id="rId16"/>
-    <p:sldId id="304" r:id="rId17"/>
-    <p:sldId id="305" r:id="rId18"/>
-    <p:sldId id="300" r:id="rId19"/>
-    <p:sldId id="286" r:id="rId20"/>
-    <p:sldId id="308" r:id="rId21"/>
-    <p:sldId id="307" r:id="rId22"/>
-    <p:sldId id="276" r:id="rId23"/>
+    <p:sldId id="309" r:id="rId11"/>
+    <p:sldId id="296" r:id="rId12"/>
+    <p:sldId id="298" r:id="rId13"/>
+    <p:sldId id="299" r:id="rId14"/>
+    <p:sldId id="301" r:id="rId15"/>
+    <p:sldId id="304" r:id="rId16"/>
+    <p:sldId id="305" r:id="rId17"/>
+    <p:sldId id="300" r:id="rId18"/>
+    <p:sldId id="286" r:id="rId19"/>
+    <p:sldId id="308" r:id="rId20"/>
+    <p:sldId id="307" r:id="rId21"/>
+    <p:sldId id="276" r:id="rId22"/>
   </p:sldIdLst>
   <p:sldSz cx="12192000" cy="6858000"/>
   <p:notesSz cx="6858000" cy="9144000"/>
@@ -139,8 +138,7 @@
             <p14:sldId id="294"/>
             <p14:sldId id="303"/>
             <p14:sldId id="302"/>
-            <p14:sldId id="295"/>
-            <p14:sldId id="306"/>
+            <p14:sldId id="309"/>
             <p14:sldId id="296"/>
           </p14:sldIdLst>
         </p14:section>
@@ -294,7 +292,7 @@
             <a:pPr rtl="0"/>
             <a:fld id="{DE7E9C61-BB84-4CCB-B9B6-D729C8032A75}" type="datetime1">
               <a:rPr lang="de-DE" smtClean="0"/>
-              <a:t>22.09.2024</a:t>
+              <a:t>26.09.2024</a:t>
             </a:fld>
             <a:endParaRPr lang="de-DE" dirty="0"/>
           </a:p>
@@ -475,7 +473,7 @@
             <a:fld id="{F1151BE2-E972-43D0-A744-CFFE30B7261A}" type="datetime1">
               <a:rPr lang="de-DE" smtClean="0"/>
               <a:pPr/>
-              <a:t>22.09.2024</a:t>
+              <a:t>26.09.2024</a:t>
             </a:fld>
             <a:endParaRPr lang="de-DE" dirty="0"/>
           </a:p>
@@ -922,7 +920,7 @@
             <a:pPr rtl="0"/>
             <a:fld id="{10895658-EA1F-4910-80AB-4DA76E167475}" type="slidenum">
               <a:rPr lang="de-DE" smtClean="0"/>
-              <a:t>18</a:t>
+              <a:t>17</a:t>
             </a:fld>
             <a:endParaRPr lang="de-DE" dirty="0"/>
           </a:p>
@@ -1016,7 +1014,7 @@
             <a:pPr rtl="0"/>
             <a:fld id="{10895658-EA1F-4910-80AB-4DA76E167475}" type="slidenum">
               <a:rPr lang="de-DE" smtClean="0"/>
-              <a:t>19</a:t>
+              <a:t>18</a:t>
             </a:fld>
             <a:endParaRPr lang="de-DE" dirty="0"/>
           </a:p>
@@ -1195,7 +1193,7 @@
             <a:pPr rtl="0"/>
             <a:fld id="{10895658-EA1F-4910-80AB-4DA76E167475}" type="slidenum">
               <a:rPr lang="de-DE" smtClean="0"/>
-              <a:t>10</a:t>
+              <a:t>9</a:t>
             </a:fld>
             <a:endParaRPr lang="de-DE" dirty="0"/>
           </a:p>
@@ -1280,7 +1278,7 @@
             <a:pPr rtl="0"/>
             <a:fld id="{10895658-EA1F-4910-80AB-4DA76E167475}" type="slidenum">
               <a:rPr lang="de-DE" smtClean="0"/>
-              <a:t>11</a:t>
+              <a:t>10</a:t>
             </a:fld>
             <a:endParaRPr lang="de-DE" dirty="0"/>
           </a:p>
@@ -1365,7 +1363,7 @@
             <a:pPr rtl="0"/>
             <a:fld id="{10895658-EA1F-4910-80AB-4DA76E167475}" type="slidenum">
               <a:rPr lang="de-DE" smtClean="0"/>
-              <a:t>12</a:t>
+              <a:t>11</a:t>
             </a:fld>
             <a:endParaRPr lang="de-DE" dirty="0"/>
           </a:p>
@@ -1450,7 +1448,7 @@
             <a:pPr rtl="0"/>
             <a:fld id="{10895658-EA1F-4910-80AB-4DA76E167475}" type="slidenum">
               <a:rPr lang="de-DE" smtClean="0"/>
-              <a:t>13</a:t>
+              <a:t>12</a:t>
             </a:fld>
             <a:endParaRPr lang="de-DE" dirty="0"/>
           </a:p>
@@ -1535,7 +1533,7 @@
             <a:pPr rtl="0"/>
             <a:fld id="{10895658-EA1F-4910-80AB-4DA76E167475}" type="slidenum">
               <a:rPr lang="de-DE" smtClean="0"/>
-              <a:t>14</a:t>
+              <a:t>13</a:t>
             </a:fld>
             <a:endParaRPr lang="de-DE" dirty="0"/>
           </a:p>
@@ -1629,7 +1627,7 @@
             <a:pPr rtl="0"/>
             <a:fld id="{10895658-EA1F-4910-80AB-4DA76E167475}" type="slidenum">
               <a:rPr lang="de-DE" smtClean="0"/>
-              <a:t>16</a:t>
+              <a:t>15</a:t>
             </a:fld>
             <a:endParaRPr lang="de-DE" dirty="0"/>
           </a:p>
@@ -1723,7 +1721,7 @@
             <a:pPr rtl="0"/>
             <a:fld id="{10895658-EA1F-4910-80AB-4DA76E167475}" type="slidenum">
               <a:rPr lang="de-DE" smtClean="0"/>
-              <a:t>17</a:t>
+              <a:t>16</a:t>
             </a:fld>
             <a:endParaRPr lang="de-DE" dirty="0"/>
           </a:p>
@@ -4014,7 +4012,7 @@
             <a:pPr rtl="0"/>
             <a:fld id="{4D8BFA2C-7173-40C7-A607-384D46764009}" type="datetime1">
               <a:rPr lang="de-DE" smtClean="0"/>
-              <a:t>22.09.2024</a:t>
+              <a:t>26.09.2024</a:t>
             </a:fld>
             <a:endParaRPr lang="de-DE" dirty="0"/>
           </a:p>
@@ -4920,7 +4918,7 @@
             <a:pPr rtl="0"/>
             <a:fld id="{66832D70-4B5E-4721-9D88-584ACFBB7732}" type="datetime1">
               <a:rPr lang="de-DE" smtClean="0"/>
-              <a:t>22.09.2024</a:t>
+              <a:t>26.09.2024</a:t>
             </a:fld>
             <a:endParaRPr lang="de-DE" dirty="0"/>
           </a:p>
@@ -5311,7 +5309,7 @@
             <a:pPr rtl="0"/>
             <a:fld id="{0C3DBE5D-D8A6-4CC8-9248-9826F35BEAE9}" type="datetime1">
               <a:rPr lang="de-DE" smtClean="0"/>
-              <a:t>22.09.2024</a:t>
+              <a:t>26.09.2024</a:t>
             </a:fld>
             <a:endParaRPr lang="de-DE" dirty="0"/>
           </a:p>
@@ -9372,7 +9370,7 @@
             <a:pPr rtl="0"/>
             <a:fld id="{8AB00466-66EF-4891-9E5A-B713DAB7AECA}" type="datetime1">
               <a:rPr lang="de-DE" smtClean="0"/>
-              <a:t>22.09.2024</a:t>
+              <a:t>26.09.2024</a:t>
             </a:fld>
             <a:endParaRPr lang="de-DE" dirty="0"/>
           </a:p>
@@ -13633,7 +13631,7 @@
             <a:pPr rtl="0"/>
             <a:fld id="{DDF31249-9375-40DC-ACFD-2E8942F6D319}" type="datetime1">
               <a:rPr lang="de-DE" smtClean="0"/>
-              <a:t>22.09.2024</a:t>
+              <a:t>26.09.2024</a:t>
             </a:fld>
             <a:endParaRPr lang="de-DE" dirty="0"/>
           </a:p>
@@ -15864,7 +15862,7 @@
             <a:pPr rtl="0"/>
             <a:fld id="{1CF7D9B3-6C6E-457A-A7EB-5426664BACC4}" type="datetime1">
               <a:rPr lang="de-DE" smtClean="0"/>
-              <a:t>22.09.2024</a:t>
+              <a:t>26.09.2024</a:t>
             </a:fld>
             <a:endParaRPr lang="de-DE" dirty="0"/>
           </a:p>
@@ -16572,7 +16570,7 @@
             <a:pPr rtl="0"/>
             <a:fld id="{85D3E94C-78BC-4C06-9E04-455DE4F0E209}" type="datetime1">
               <a:rPr lang="de-DE" smtClean="0"/>
-              <a:t>22.09.2024</a:t>
+              <a:t>26.09.2024</a:t>
             </a:fld>
             <a:endParaRPr lang="de-DE" dirty="0"/>
           </a:p>
@@ -19685,7 +19683,7 @@
             <a:pPr rtl="0"/>
             <a:fld id="{0B07672A-C75A-4D30-9728-0001C4105747}" type="datetime1">
               <a:rPr lang="de-DE" smtClean="0"/>
-              <a:t>22.09.2024</a:t>
+              <a:t>26.09.2024</a:t>
             </a:fld>
             <a:endParaRPr lang="de-DE" dirty="0"/>
           </a:p>
@@ -20252,7 +20250,7 @@
             <a:pPr rtl="0"/>
             <a:fld id="{5C871321-BC3E-4C34-B41E-4E6C82A0FBA6}" type="datetime1">
               <a:rPr lang="de-DE" smtClean="0"/>
-              <a:t>22.09.2024</a:t>
+              <a:t>26.09.2024</a:t>
             </a:fld>
             <a:endParaRPr lang="de-DE" dirty="0"/>
           </a:p>
@@ -21126,7 +21124,7 @@
             <a:pPr rtl="0"/>
             <a:fld id="{1309CDFE-4E46-4B6F-991B-443C0939116A}" type="datetime1">
               <a:rPr lang="de-DE" smtClean="0"/>
-              <a:t>22.09.2024</a:t>
+              <a:t>26.09.2024</a:t>
             </a:fld>
             <a:endParaRPr lang="de-DE" dirty="0"/>
           </a:p>
@@ -21787,12 +21785,9 @@
               </a:rPr>
               <a:t>- Evaluation</a:t>
             </a:r>
-            <a:br>
-              <a:rPr lang="de-DE" sz="1050" b="1" dirty="0"/>
-            </a:br>
             <a:endParaRPr lang="de-DE" sz="2200" dirty="0">
               <a:solidFill>
-                <a:schemeClr val="accent4"/>
+                <a:schemeClr val="tx1"/>
               </a:solidFill>
             </a:endParaRPr>
           </a:p>
@@ -21824,494 +21819,6 @@
               <a:rPr lang="de-DE" smtClean="0"/>
               <a:pPr rtl="0"/>
               <a:t>10</a:t>
-            </a:fld>
-            <a:endParaRPr lang="de-DE" dirty="0"/>
-          </a:p>
-        </p:txBody>
-      </p:sp>
-      <p:sp>
-        <p:nvSpPr>
-          <p:cNvPr id="10" name="Textplatzhalter 5">
-            <a:extLst>
-              <a:ext uri="{FF2B5EF4-FFF2-40B4-BE49-F238E27FC236}">
-                <a16:creationId xmlns:a16="http://schemas.microsoft.com/office/drawing/2014/main" id="{949AA242-254D-7706-2CD4-B41C8530B6A5}"/>
-              </a:ext>
-            </a:extLst>
-          </p:cNvPr>
-          <p:cNvSpPr txBox="1">
-            <a:spLocks/>
-          </p:cNvSpPr>
-          <p:nvPr/>
-        </p:nvSpPr>
-        <p:spPr>
-          <a:xfrm>
-            <a:off x="762000" y="2026470"/>
-            <a:ext cx="4135925" cy="4410543"/>
-          </a:xfrm>
-          <a:prstGeom prst="rect">
-            <a:avLst/>
-          </a:prstGeom>
-        </p:spPr>
-        <p:txBody>
-          <a:bodyPr vert="horz" lIns="91440" tIns="45720" rIns="91440" bIns="45720" rtlCol="0">
-            <a:normAutofit/>
-          </a:bodyPr>
-          <a:lstStyle>
-            <a:defPPr>
-              <a:defRPr lang="de-DE"/>
-            </a:defPPr>
-            <a:lvl1pPr marL="228600" indent="-228600" algn="l" defTabSz="914400" rtl="0" eaLnBrk="1" latinLnBrk="0" hangingPunct="1">
-              <a:lnSpc>
-                <a:spcPct val="100000"/>
-              </a:lnSpc>
-              <a:spcBef>
-                <a:spcPts val="0"/>
-              </a:spcBef>
-              <a:spcAft>
-                <a:spcPts val="1200"/>
-              </a:spcAft>
-              <a:buFont typeface="Arial" panose="020B0604020202020204" pitchFamily="34" charset="0"/>
-              <a:buChar char="•"/>
-              <a:defRPr lang="de-DE" sz="2800" kern="1200">
-                <a:solidFill>
-                  <a:schemeClr val="tx1"/>
-                </a:solidFill>
-                <a:latin typeface="+mn-lt"/>
-                <a:ea typeface="+mn-ea"/>
-                <a:cs typeface="+mn-cs"/>
-              </a:defRPr>
-            </a:lvl1pPr>
-            <a:lvl2pPr marL="685800" indent="-228600" algn="l" defTabSz="914400" rtl="0" eaLnBrk="1" latinLnBrk="0" hangingPunct="1">
-              <a:lnSpc>
-                <a:spcPct val="100000"/>
-              </a:lnSpc>
-              <a:spcBef>
-                <a:spcPts val="0"/>
-              </a:spcBef>
-              <a:spcAft>
-                <a:spcPts val="1200"/>
-              </a:spcAft>
-              <a:buFont typeface="Arial" panose="020B0604020202020204" pitchFamily="34" charset="0"/>
-              <a:buChar char="•"/>
-              <a:defRPr lang="de-DE" sz="2400" kern="1200">
-                <a:solidFill>
-                  <a:schemeClr val="tx1"/>
-                </a:solidFill>
-                <a:latin typeface="+mn-lt"/>
-                <a:ea typeface="+mn-ea"/>
-                <a:cs typeface="+mn-cs"/>
-              </a:defRPr>
-            </a:lvl2pPr>
-            <a:lvl3pPr marL="1143000" indent="-228600" algn="l" defTabSz="914400" rtl="0" eaLnBrk="1" latinLnBrk="0" hangingPunct="1">
-              <a:lnSpc>
-                <a:spcPct val="100000"/>
-              </a:lnSpc>
-              <a:spcBef>
-                <a:spcPts val="0"/>
-              </a:spcBef>
-              <a:spcAft>
-                <a:spcPts val="1200"/>
-              </a:spcAft>
-              <a:buFont typeface="Arial" panose="020B0604020202020204" pitchFamily="34" charset="0"/>
-              <a:buChar char="•"/>
-              <a:defRPr lang="de-DE" sz="2000" kern="1200">
-                <a:solidFill>
-                  <a:schemeClr val="tx1"/>
-                </a:solidFill>
-                <a:latin typeface="+mn-lt"/>
-                <a:ea typeface="+mn-ea"/>
-                <a:cs typeface="+mn-cs"/>
-              </a:defRPr>
-            </a:lvl3pPr>
-            <a:lvl4pPr marL="1600200" indent="-228600" algn="l" defTabSz="914400" rtl="0" eaLnBrk="1" latinLnBrk="0" hangingPunct="1">
-              <a:lnSpc>
-                <a:spcPct val="100000"/>
-              </a:lnSpc>
-              <a:spcBef>
-                <a:spcPts val="0"/>
-              </a:spcBef>
-              <a:spcAft>
-                <a:spcPts val="1200"/>
-              </a:spcAft>
-              <a:buFont typeface="Arial" panose="020B0604020202020204" pitchFamily="34" charset="0"/>
-              <a:buChar char="•"/>
-              <a:defRPr lang="de-DE" sz="1800" kern="1200">
-                <a:solidFill>
-                  <a:schemeClr val="tx1"/>
-                </a:solidFill>
-                <a:latin typeface="+mn-lt"/>
-                <a:ea typeface="+mn-ea"/>
-                <a:cs typeface="+mn-cs"/>
-              </a:defRPr>
-            </a:lvl4pPr>
-            <a:lvl5pPr marL="2057400" indent="-228600" algn="l" defTabSz="914400" rtl="0" eaLnBrk="1" latinLnBrk="0" hangingPunct="1">
-              <a:lnSpc>
-                <a:spcPct val="100000"/>
-              </a:lnSpc>
-              <a:spcBef>
-                <a:spcPts val="0"/>
-              </a:spcBef>
-              <a:spcAft>
-                <a:spcPts val="1200"/>
-              </a:spcAft>
-              <a:buFont typeface="Arial" panose="020B0604020202020204" pitchFamily="34" charset="0"/>
-              <a:buChar char="•"/>
-              <a:defRPr lang="de-DE" sz="1800" kern="1200">
-                <a:solidFill>
-                  <a:schemeClr val="tx1"/>
-                </a:solidFill>
-                <a:latin typeface="+mn-lt"/>
-                <a:ea typeface="+mn-ea"/>
-                <a:cs typeface="+mn-cs"/>
-              </a:defRPr>
-            </a:lvl5pPr>
-            <a:lvl6pPr marL="2514600" indent="-228600" algn="l" defTabSz="914400" rtl="0" eaLnBrk="1" latinLnBrk="0" hangingPunct="1">
-              <a:lnSpc>
-                <a:spcPct val="90000"/>
-              </a:lnSpc>
-              <a:spcBef>
-                <a:spcPts val="500"/>
-              </a:spcBef>
-              <a:buFont typeface="Arial" panose="020B0604020202020204" pitchFamily="34" charset="0"/>
-              <a:buChar char="•"/>
-              <a:defRPr lang="de-DE" sz="1800" kern="1200">
-                <a:solidFill>
-                  <a:schemeClr val="tx1"/>
-                </a:solidFill>
-                <a:latin typeface="+mn-lt"/>
-                <a:ea typeface="+mn-ea"/>
-                <a:cs typeface="+mn-cs"/>
-              </a:defRPr>
-            </a:lvl6pPr>
-            <a:lvl7pPr marL="2971800" indent="-228600" algn="l" defTabSz="914400" rtl="0" eaLnBrk="1" latinLnBrk="0" hangingPunct="1">
-              <a:lnSpc>
-                <a:spcPct val="90000"/>
-              </a:lnSpc>
-              <a:spcBef>
-                <a:spcPts val="500"/>
-              </a:spcBef>
-              <a:buFont typeface="Arial" panose="020B0604020202020204" pitchFamily="34" charset="0"/>
-              <a:buChar char="•"/>
-              <a:defRPr lang="de-DE" sz="1800" kern="1200">
-                <a:solidFill>
-                  <a:schemeClr val="tx1"/>
-                </a:solidFill>
-                <a:latin typeface="+mn-lt"/>
-                <a:ea typeface="+mn-ea"/>
-                <a:cs typeface="+mn-cs"/>
-              </a:defRPr>
-            </a:lvl7pPr>
-            <a:lvl8pPr marL="3429000" indent="-228600" algn="l" defTabSz="914400" rtl="0" eaLnBrk="1" latinLnBrk="0" hangingPunct="1">
-              <a:lnSpc>
-                <a:spcPct val="90000"/>
-              </a:lnSpc>
-              <a:spcBef>
-                <a:spcPts val="500"/>
-              </a:spcBef>
-              <a:buFont typeface="Arial" panose="020B0604020202020204" pitchFamily="34" charset="0"/>
-              <a:buChar char="•"/>
-              <a:defRPr lang="de-DE" sz="1800" kern="1200">
-                <a:solidFill>
-                  <a:schemeClr val="tx1"/>
-                </a:solidFill>
-                <a:latin typeface="+mn-lt"/>
-                <a:ea typeface="+mn-ea"/>
-                <a:cs typeface="+mn-cs"/>
-              </a:defRPr>
-            </a:lvl8pPr>
-            <a:lvl9pPr marL="3886200" indent="-228600" algn="l" defTabSz="914400" rtl="0" eaLnBrk="1" latinLnBrk="0" hangingPunct="1">
-              <a:lnSpc>
-                <a:spcPct val="90000"/>
-              </a:lnSpc>
-              <a:spcBef>
-                <a:spcPts val="500"/>
-              </a:spcBef>
-              <a:buFont typeface="Arial" panose="020B0604020202020204" pitchFamily="34" charset="0"/>
-              <a:buChar char="•"/>
-              <a:defRPr lang="de-DE" sz="1800" kern="1200">
-                <a:solidFill>
-                  <a:schemeClr val="tx1"/>
-                </a:solidFill>
-                <a:latin typeface="+mn-lt"/>
-                <a:ea typeface="+mn-ea"/>
-                <a:cs typeface="+mn-cs"/>
-              </a:defRPr>
-            </a:lvl9pPr>
-          </a:lstStyle>
-          <a:p>
-            <a:pPr marL="0" indent="0">
-              <a:buNone/>
-            </a:pPr>
-            <a:r>
-              <a:rPr lang="de-DE" sz="2800" b="1" dirty="0">
-                <a:solidFill>
-                  <a:schemeClr val="tx1"/>
-                </a:solidFill>
-              </a:rPr>
-              <a:t>Lineare Regression </a:t>
-            </a:r>
-          </a:p>
-          <a:p>
-            <a:pPr marL="0" indent="0">
-              <a:buNone/>
-            </a:pPr>
-            <a:r>
-              <a:rPr lang="de-DE" b="1" dirty="0"/>
-              <a:t>R²:</a:t>
-            </a:r>
-            <a:r>
-              <a:rPr lang="de-DE" dirty="0"/>
-              <a:t> Beim Testdatensatz werden 77% der Varianz erklärt.</a:t>
-            </a:r>
-          </a:p>
-          <a:p>
-            <a:pPr marL="0" indent="0">
-              <a:buNone/>
-            </a:pPr>
-            <a:r>
-              <a:rPr lang="de-DE" b="1" dirty="0"/>
-              <a:t>p-Wert: </a:t>
-            </a:r>
-            <a:r>
-              <a:rPr lang="de-DE" dirty="0"/>
-              <a:t>Ist mit 0,00 deutlich unter 0,05 =&gt; Nullhypothese ist widerlegt =&gt; Das Modell ist signifikant.</a:t>
-            </a:r>
-          </a:p>
-          <a:p>
-            <a:pPr marL="0" indent="0">
-              <a:buNone/>
-            </a:pPr>
-            <a:endParaRPr lang="de-DE" dirty="0"/>
-          </a:p>
-          <a:p>
-            <a:pPr marL="0" indent="0">
-              <a:buNone/>
-            </a:pPr>
-            <a:endParaRPr lang="de-DE" dirty="0"/>
-          </a:p>
-          <a:p>
-            <a:endParaRPr lang="de-DE" dirty="0"/>
-          </a:p>
-        </p:txBody>
-      </p:sp>
-      <p:pic>
-        <p:nvPicPr>
-          <p:cNvPr id="12" name="Grafik 11">
-            <a:extLst>
-              <a:ext uri="{FF2B5EF4-FFF2-40B4-BE49-F238E27FC236}">
-                <a16:creationId xmlns:a16="http://schemas.microsoft.com/office/drawing/2014/main" id="{C84D8F9B-F4C1-064A-2BE9-36E53AC936F2}"/>
-              </a:ext>
-            </a:extLst>
-          </p:cNvPr>
-          <p:cNvPicPr>
-            <a:picLocks noChangeAspect="1"/>
-          </p:cNvPicPr>
-          <p:nvPr/>
-        </p:nvPicPr>
-        <p:blipFill>
-          <a:blip r:embed="rId3"/>
-          <a:stretch>
-            <a:fillRect/>
-          </a:stretch>
-        </p:blipFill>
-        <p:spPr>
-          <a:xfrm>
-            <a:off x="5044278" y="2026470"/>
-            <a:ext cx="6628571" cy="3790476"/>
-          </a:xfrm>
-          <a:prstGeom prst="rect">
-            <a:avLst/>
-          </a:prstGeom>
-        </p:spPr>
-      </p:pic>
-      <p:cxnSp>
-        <p:nvCxnSpPr>
-          <p:cNvPr id="14" name="Gerade Verbindung mit Pfeil 13">
-            <a:extLst>
-              <a:ext uri="{FF2B5EF4-FFF2-40B4-BE49-F238E27FC236}">
-                <a16:creationId xmlns:a16="http://schemas.microsoft.com/office/drawing/2014/main" id="{9EFC4554-566D-1D4B-6567-49E838A623AB}"/>
-              </a:ext>
-            </a:extLst>
-          </p:cNvPr>
-          <p:cNvCxnSpPr>
-            <a:cxnSpLocks/>
-          </p:cNvCxnSpPr>
-          <p:nvPr/>
-        </p:nvCxnSpPr>
-        <p:spPr>
-          <a:xfrm>
-            <a:off x="4780230" y="2951430"/>
-            <a:ext cx="264048" cy="108641"/>
-          </a:xfrm>
-          <a:prstGeom prst="straightConnector1">
-            <a:avLst/>
-          </a:prstGeom>
-          <a:ln>
-            <a:tailEnd type="triangle"/>
-          </a:ln>
-        </p:spPr>
-        <p:style>
-          <a:lnRef idx="1">
-            <a:schemeClr val="accent4"/>
-          </a:lnRef>
-          <a:fillRef idx="0">
-            <a:schemeClr val="accent4"/>
-          </a:fillRef>
-          <a:effectRef idx="0">
-            <a:schemeClr val="accent4"/>
-          </a:effectRef>
-          <a:fontRef idx="minor">
-            <a:schemeClr val="tx1"/>
-          </a:fontRef>
-        </p:style>
-      </p:cxnSp>
-      <p:cxnSp>
-        <p:nvCxnSpPr>
-          <p:cNvPr id="17" name="Gerade Verbindung mit Pfeil 16">
-            <a:extLst>
-              <a:ext uri="{FF2B5EF4-FFF2-40B4-BE49-F238E27FC236}">
-                <a16:creationId xmlns:a16="http://schemas.microsoft.com/office/drawing/2014/main" id="{70099A19-7277-2E5C-3DF8-2CFCFD68377A}"/>
-              </a:ext>
-            </a:extLst>
-          </p:cNvPr>
-          <p:cNvCxnSpPr>
-            <a:cxnSpLocks/>
-          </p:cNvCxnSpPr>
-          <p:nvPr/>
-        </p:nvCxnSpPr>
-        <p:spPr>
-          <a:xfrm flipV="1">
-            <a:off x="4309450" y="4694221"/>
-            <a:ext cx="4049113" cy="674484"/>
-          </a:xfrm>
-          <a:prstGeom prst="straightConnector1">
-            <a:avLst/>
-          </a:prstGeom>
-          <a:ln>
-            <a:tailEnd type="triangle"/>
-          </a:ln>
-        </p:spPr>
-        <p:style>
-          <a:lnRef idx="1">
-            <a:schemeClr val="accent4"/>
-          </a:lnRef>
-          <a:fillRef idx="0">
-            <a:schemeClr val="accent4"/>
-          </a:fillRef>
-          <a:effectRef idx="0">
-            <a:schemeClr val="accent4"/>
-          </a:effectRef>
-          <a:fontRef idx="minor">
-            <a:schemeClr val="tx1"/>
-          </a:fontRef>
-        </p:style>
-      </p:cxnSp>
-    </p:spTree>
-    <p:extLst>
-      <p:ext uri="{BB962C8B-B14F-4D97-AF65-F5344CB8AC3E}">
-        <p14:creationId xmlns:p14="http://schemas.microsoft.com/office/powerpoint/2010/main" val="3723979555"/>
-      </p:ext>
-    </p:extLst>
-  </p:cSld>
-  <p:clrMapOvr>
-    <a:masterClrMapping/>
-  </p:clrMapOvr>
-</p:sld>
-</file>
-
-<file path=ppt/slides/slide11.xml><?xml version="1.0" encoding="utf-8"?>
-<p:sld xmlns:a="http://schemas.openxmlformats.org/drawingml/2006/main" xmlns:r="http://schemas.openxmlformats.org/officeDocument/2006/relationships" xmlns:p="http://schemas.openxmlformats.org/presentationml/2006/main">
-  <p:cSld>
-    <p:spTree>
-      <p:nvGrpSpPr>
-        <p:cNvPr id="1" name=""/>
-        <p:cNvGrpSpPr/>
-        <p:nvPr/>
-      </p:nvGrpSpPr>
-      <p:grpSpPr>
-        <a:xfrm>
-          <a:off x="0" y="0"/>
-          <a:ext cx="0" cy="0"/>
-          <a:chOff x="0" y="0"/>
-          <a:chExt cx="0" cy="0"/>
-        </a:xfrm>
-      </p:grpSpPr>
-      <p:sp>
-        <p:nvSpPr>
-          <p:cNvPr id="2" name="Titel 1">
-            <a:extLst>
-              <a:ext uri="{FF2B5EF4-FFF2-40B4-BE49-F238E27FC236}">
-                <a16:creationId xmlns:a16="http://schemas.microsoft.com/office/drawing/2014/main" id="{F879C82F-979E-30B3-9D3B-9BEE2657BD80}"/>
-              </a:ext>
-            </a:extLst>
-          </p:cNvPr>
-          <p:cNvSpPr>
-            <a:spLocks noGrp="1"/>
-          </p:cNvSpPr>
-          <p:nvPr>
-            <p:ph type="title"/>
-          </p:nvPr>
-        </p:nvSpPr>
-        <p:spPr/>
-        <p:txBody>
-          <a:bodyPr>
-            <a:normAutofit/>
-          </a:bodyPr>
-          <a:lstStyle/>
-          <a:p>
-            <a:r>
-              <a:rPr lang="de-DE" dirty="0" err="1"/>
-              <a:t>Machine</a:t>
-            </a:r>
-            <a:r>
-              <a:rPr lang="de-DE" dirty="0"/>
-              <a:t> Learning</a:t>
-            </a:r>
-            <a:br>
-              <a:rPr lang="de-DE" dirty="0"/>
-            </a:br>
-            <a:r>
-              <a:rPr lang="de-DE" sz="2200" dirty="0">
-                <a:solidFill>
-                  <a:schemeClr val="accent4"/>
-                </a:solidFill>
-              </a:rPr>
-              <a:t>- Evaluation</a:t>
-            </a:r>
-            <a:endParaRPr lang="de-DE" sz="2200" dirty="0">
-              <a:solidFill>
-                <a:schemeClr val="tx1"/>
-              </a:solidFill>
-            </a:endParaRPr>
-          </a:p>
-        </p:txBody>
-      </p:sp>
-      <p:sp>
-        <p:nvSpPr>
-          <p:cNvPr id="4" name="Foliennummernplatzhalter 3">
-            <a:extLst>
-              <a:ext uri="{FF2B5EF4-FFF2-40B4-BE49-F238E27FC236}">
-                <a16:creationId xmlns:a16="http://schemas.microsoft.com/office/drawing/2014/main" id="{721C5668-EA69-8221-6177-E429DF84193D}"/>
-              </a:ext>
-            </a:extLst>
-          </p:cNvPr>
-          <p:cNvSpPr>
-            <a:spLocks noGrp="1"/>
-          </p:cNvSpPr>
-          <p:nvPr>
-            <p:ph type="sldNum" sz="quarter" idx="12"/>
-          </p:nvPr>
-        </p:nvSpPr>
-        <p:spPr/>
-        <p:txBody>
-          <a:bodyPr/>
-          <a:lstStyle/>
-          <a:p>
-            <a:pPr rtl="0"/>
-            <a:fld id="{B5CEABB6-07DC-46E8-9B57-56EC44A396E5}" type="slidenum">
-              <a:rPr lang="de-DE" smtClean="0"/>
-              <a:pPr rtl="0"/>
-              <a:t>11</a:t>
             </a:fld>
             <a:endParaRPr lang="de-DE" dirty="0"/>
           </a:p>
@@ -22744,6 +22251,118 @@
           </a:p>
         </p:txBody>
       </p:sp>
+      <p:sp>
+        <p:nvSpPr>
+          <p:cNvPr id="3" name="Rechteck 2">
+            <a:extLst>
+              <a:ext uri="{FF2B5EF4-FFF2-40B4-BE49-F238E27FC236}">
+                <a16:creationId xmlns:a16="http://schemas.microsoft.com/office/drawing/2014/main" id="{082040AD-7606-4026-CD43-B9008A9403DF}"/>
+              </a:ext>
+            </a:extLst>
+          </p:cNvPr>
+          <p:cNvSpPr/>
+          <p:nvPr/>
+        </p:nvSpPr>
+        <p:spPr>
+          <a:xfrm>
+            <a:off x="2553077" y="3451619"/>
+            <a:ext cx="606582" cy="2297332"/>
+          </a:xfrm>
+          <a:prstGeom prst="rect">
+            <a:avLst/>
+          </a:prstGeom>
+          <a:solidFill>
+            <a:schemeClr val="accent1">
+              <a:alpha val="30000"/>
+            </a:schemeClr>
+          </a:solidFill>
+          <a:ln>
+            <a:solidFill>
+              <a:srgbClr val="FF0000"/>
+            </a:solidFill>
+          </a:ln>
+        </p:spPr>
+        <p:style>
+          <a:lnRef idx="2">
+            <a:schemeClr val="accent1">
+              <a:shade val="15000"/>
+            </a:schemeClr>
+          </a:lnRef>
+          <a:fillRef idx="1">
+            <a:schemeClr val="accent1"/>
+          </a:fillRef>
+          <a:effectRef idx="0">
+            <a:schemeClr val="accent1"/>
+          </a:effectRef>
+          <a:fontRef idx="minor">
+            <a:schemeClr val="lt1"/>
+          </a:fontRef>
+        </p:style>
+        <p:txBody>
+          <a:bodyPr rtlCol="0" anchor="ctr"/>
+          <a:lstStyle/>
+          <a:p>
+            <a:pPr algn="ctr"/>
+            <a:endParaRPr lang="de-DE"/>
+          </a:p>
+        </p:txBody>
+      </p:sp>
+      <p:sp>
+        <p:nvSpPr>
+          <p:cNvPr id="5" name="Rechteck 4">
+            <a:extLst>
+              <a:ext uri="{FF2B5EF4-FFF2-40B4-BE49-F238E27FC236}">
+                <a16:creationId xmlns:a16="http://schemas.microsoft.com/office/drawing/2014/main" id="{7E09278B-0317-1561-3AF6-5CB2F760D2AF}"/>
+              </a:ext>
+            </a:extLst>
+          </p:cNvPr>
+          <p:cNvSpPr/>
+          <p:nvPr/>
+        </p:nvSpPr>
+        <p:spPr>
+          <a:xfrm>
+            <a:off x="7939495" y="3429000"/>
+            <a:ext cx="606582" cy="2297332"/>
+          </a:xfrm>
+          <a:prstGeom prst="rect">
+            <a:avLst/>
+          </a:prstGeom>
+          <a:solidFill>
+            <a:schemeClr val="accent1">
+              <a:alpha val="30000"/>
+            </a:schemeClr>
+          </a:solidFill>
+          <a:ln>
+            <a:solidFill>
+              <a:srgbClr val="FF0000"/>
+            </a:solidFill>
+          </a:ln>
+        </p:spPr>
+        <p:style>
+          <a:lnRef idx="2">
+            <a:schemeClr val="accent1">
+              <a:shade val="15000"/>
+            </a:schemeClr>
+          </a:lnRef>
+          <a:fillRef idx="1">
+            <a:schemeClr val="accent1"/>
+          </a:fillRef>
+          <a:effectRef idx="0">
+            <a:schemeClr val="accent1"/>
+          </a:effectRef>
+          <a:fontRef idx="minor">
+            <a:schemeClr val="lt1"/>
+          </a:fontRef>
+        </p:style>
+        <p:txBody>
+          <a:bodyPr rtlCol="0" anchor="ctr"/>
+          <a:lstStyle/>
+          <a:p>
+            <a:pPr algn="ctr"/>
+            <a:endParaRPr lang="de-DE"/>
+          </a:p>
+        </p:txBody>
+      </p:sp>
     </p:spTree>
     <p:extLst>
       <p:ext uri="{BB962C8B-B14F-4D97-AF65-F5344CB8AC3E}">
@@ -22754,10 +22373,134 @@
   <p:clrMapOvr>
     <a:masterClrMapping/>
   </p:clrMapOvr>
+  <p:timing>
+    <p:tnLst>
+      <p:par>
+        <p:cTn id="1" dur="indefinite" restart="never" nodeType="tmRoot">
+          <p:childTnLst>
+            <p:seq concurrent="1" nextAc="seek">
+              <p:cTn id="2" dur="indefinite" nodeType="mainSeq">
+                <p:childTnLst>
+                  <p:par>
+                    <p:cTn id="3" fill="hold">
+                      <p:stCondLst>
+                        <p:cond delay="indefinite"/>
+                      </p:stCondLst>
+                      <p:childTnLst>
+                        <p:par>
+                          <p:cTn id="4" fill="hold">
+                            <p:stCondLst>
+                              <p:cond delay="0"/>
+                            </p:stCondLst>
+                            <p:childTnLst>
+                              <p:par>
+                                <p:cTn id="5" presetID="1" presetClass="entr" presetSubtype="0" fill="hold" grpId="0" nodeType="clickEffect">
+                                  <p:stCondLst>
+                                    <p:cond delay="0"/>
+                                  </p:stCondLst>
+                                  <p:childTnLst>
+                                    <p:set>
+                                      <p:cBhvr>
+                                        <p:cTn id="6" dur="1" fill="hold">
+                                          <p:stCondLst>
+                                            <p:cond delay="0"/>
+                                          </p:stCondLst>
+                                        </p:cTn>
+                                        <p:tgtEl>
+                                          <p:spTgt spid="3"/>
+                                        </p:tgtEl>
+                                        <p:attrNameLst>
+                                          <p:attrName>style.visibility</p:attrName>
+                                        </p:attrNameLst>
+                                      </p:cBhvr>
+                                      <p:to>
+                                        <p:strVal val="visible"/>
+                                      </p:to>
+                                    </p:set>
+                                  </p:childTnLst>
+                                </p:cTn>
+                              </p:par>
+                            </p:childTnLst>
+                          </p:cTn>
+                        </p:par>
+                      </p:childTnLst>
+                    </p:cTn>
+                  </p:par>
+                  <p:par>
+                    <p:cTn id="7" fill="hold">
+                      <p:stCondLst>
+                        <p:cond delay="indefinite"/>
+                      </p:stCondLst>
+                      <p:childTnLst>
+                        <p:par>
+                          <p:cTn id="8" fill="hold">
+                            <p:stCondLst>
+                              <p:cond delay="0"/>
+                            </p:stCondLst>
+                            <p:childTnLst>
+                              <p:par>
+                                <p:cTn id="9" presetID="1" presetClass="entr" presetSubtype="0" fill="hold" grpId="0" nodeType="clickEffect">
+                                  <p:stCondLst>
+                                    <p:cond delay="0"/>
+                                  </p:stCondLst>
+                                  <p:childTnLst>
+                                    <p:set>
+                                      <p:cBhvr>
+                                        <p:cTn id="10" dur="1" fill="hold">
+                                          <p:stCondLst>
+                                            <p:cond delay="0"/>
+                                          </p:stCondLst>
+                                        </p:cTn>
+                                        <p:tgtEl>
+                                          <p:spTgt spid="5"/>
+                                        </p:tgtEl>
+                                        <p:attrNameLst>
+                                          <p:attrName>style.visibility</p:attrName>
+                                        </p:attrNameLst>
+                                      </p:cBhvr>
+                                      <p:to>
+                                        <p:strVal val="visible"/>
+                                      </p:to>
+                                    </p:set>
+                                  </p:childTnLst>
+                                </p:cTn>
+                              </p:par>
+                            </p:childTnLst>
+                          </p:cTn>
+                        </p:par>
+                      </p:childTnLst>
+                    </p:cTn>
+                  </p:par>
+                </p:childTnLst>
+              </p:cTn>
+              <p:prevCondLst>
+                <p:cond evt="onPrev" delay="0">
+                  <p:tgtEl>
+                    <p:sldTgt/>
+                  </p:tgtEl>
+                </p:cond>
+              </p:prevCondLst>
+              <p:nextCondLst>
+                <p:cond evt="onNext" delay="0">
+                  <p:tgtEl>
+                    <p:sldTgt/>
+                  </p:tgtEl>
+                </p:cond>
+              </p:nextCondLst>
+            </p:seq>
+          </p:childTnLst>
+        </p:cTn>
+      </p:par>
+    </p:tnLst>
+    <p:bldLst>
+      <p:bldP spid="3" grpId="0" animBg="1"/>
+      <p:bldP spid="5" grpId="0" animBg="1"/>
+    </p:bldLst>
+  </p:timing>
 </p:sld>
 </file>
 
-<file path=ppt/slides/slide12.xml><?xml version="1.0" encoding="utf-8"?>
+<file path=ppt/slides/slide11.xml><?xml version="1.0" encoding="utf-8"?>
 <p:sld xmlns:a="http://schemas.openxmlformats.org/drawingml/2006/main" xmlns:r="http://schemas.openxmlformats.org/officeDocument/2006/relationships" xmlns:p="http://schemas.openxmlformats.org/presentationml/2006/main">
   <p:cSld>
     <p:spTree>
@@ -22852,7 +22595,7 @@
             <a:fld id="{B5CEABB6-07DC-46E8-9B57-56EC44A396E5}" type="slidenum">
               <a:rPr lang="de-DE" smtClean="0"/>
               <a:pPr rtl="0"/>
-              <a:t>12</a:t>
+              <a:t>11</a:t>
             </a:fld>
             <a:endParaRPr lang="de-DE" dirty="0"/>
           </a:p>
@@ -23245,6 +22988,174 @@
           </a:prstGeom>
         </p:spPr>
       </p:pic>
+      <p:sp>
+        <p:nvSpPr>
+          <p:cNvPr id="3" name="Rechteck 2">
+            <a:extLst>
+              <a:ext uri="{FF2B5EF4-FFF2-40B4-BE49-F238E27FC236}">
+                <a16:creationId xmlns:a16="http://schemas.microsoft.com/office/drawing/2014/main" id="{6969F1C2-E03A-5DD7-5489-6D5EEC2E424A}"/>
+              </a:ext>
+            </a:extLst>
+          </p:cNvPr>
+          <p:cNvSpPr/>
+          <p:nvPr/>
+        </p:nvSpPr>
+        <p:spPr>
+          <a:xfrm>
+            <a:off x="463010" y="4055965"/>
+            <a:ext cx="1927105" cy="195205"/>
+          </a:xfrm>
+          <a:prstGeom prst="rect">
+            <a:avLst/>
+          </a:prstGeom>
+          <a:solidFill>
+            <a:schemeClr val="accent1">
+              <a:alpha val="30000"/>
+            </a:schemeClr>
+          </a:solidFill>
+          <a:ln>
+            <a:solidFill>
+              <a:srgbClr val="FF0000"/>
+            </a:solidFill>
+          </a:ln>
+        </p:spPr>
+        <p:style>
+          <a:lnRef idx="2">
+            <a:schemeClr val="accent1">
+              <a:shade val="15000"/>
+            </a:schemeClr>
+          </a:lnRef>
+          <a:fillRef idx="1">
+            <a:schemeClr val="accent1"/>
+          </a:fillRef>
+          <a:effectRef idx="0">
+            <a:schemeClr val="accent1"/>
+          </a:effectRef>
+          <a:fontRef idx="minor">
+            <a:schemeClr val="lt1"/>
+          </a:fontRef>
+        </p:style>
+        <p:txBody>
+          <a:bodyPr rtlCol="0" anchor="ctr"/>
+          <a:lstStyle/>
+          <a:p>
+            <a:pPr algn="ctr"/>
+            <a:endParaRPr lang="de-DE"/>
+          </a:p>
+        </p:txBody>
+      </p:sp>
+      <p:sp>
+        <p:nvSpPr>
+          <p:cNvPr id="6" name="Rechteck 5">
+            <a:extLst>
+              <a:ext uri="{FF2B5EF4-FFF2-40B4-BE49-F238E27FC236}">
+                <a16:creationId xmlns:a16="http://schemas.microsoft.com/office/drawing/2014/main" id="{734EE78B-1212-7F67-566B-850A0B869D4F}"/>
+              </a:ext>
+            </a:extLst>
+          </p:cNvPr>
+          <p:cNvSpPr/>
+          <p:nvPr/>
+        </p:nvSpPr>
+        <p:spPr>
+          <a:xfrm>
+            <a:off x="3242057" y="4922334"/>
+            <a:ext cx="2389198" cy="338554"/>
+          </a:xfrm>
+          <a:prstGeom prst="rect">
+            <a:avLst/>
+          </a:prstGeom>
+          <a:solidFill>
+            <a:schemeClr val="accent1">
+              <a:alpha val="30000"/>
+            </a:schemeClr>
+          </a:solidFill>
+          <a:ln>
+            <a:solidFill>
+              <a:srgbClr val="FF0000"/>
+            </a:solidFill>
+          </a:ln>
+        </p:spPr>
+        <p:style>
+          <a:lnRef idx="2">
+            <a:schemeClr val="accent1">
+              <a:shade val="15000"/>
+            </a:schemeClr>
+          </a:lnRef>
+          <a:fillRef idx="1">
+            <a:schemeClr val="accent1"/>
+          </a:fillRef>
+          <a:effectRef idx="0">
+            <a:schemeClr val="accent1"/>
+          </a:effectRef>
+          <a:fontRef idx="minor">
+            <a:schemeClr val="lt1"/>
+          </a:fontRef>
+        </p:style>
+        <p:txBody>
+          <a:bodyPr rtlCol="0" anchor="ctr"/>
+          <a:lstStyle/>
+          <a:p>
+            <a:pPr algn="ctr"/>
+            <a:endParaRPr lang="de-DE"/>
+          </a:p>
+        </p:txBody>
+      </p:sp>
+      <p:sp>
+        <p:nvSpPr>
+          <p:cNvPr id="8" name="Rechteck 7">
+            <a:extLst>
+              <a:ext uri="{FF2B5EF4-FFF2-40B4-BE49-F238E27FC236}">
+                <a16:creationId xmlns:a16="http://schemas.microsoft.com/office/drawing/2014/main" id="{69172CA3-3E96-1B08-A0AB-6056F3788894}"/>
+              </a:ext>
+            </a:extLst>
+          </p:cNvPr>
+          <p:cNvSpPr/>
+          <p:nvPr/>
+        </p:nvSpPr>
+        <p:spPr>
+          <a:xfrm>
+            <a:off x="9442764" y="3308072"/>
+            <a:ext cx="606582" cy="2297332"/>
+          </a:xfrm>
+          <a:prstGeom prst="rect">
+            <a:avLst/>
+          </a:prstGeom>
+          <a:solidFill>
+            <a:schemeClr val="accent1">
+              <a:alpha val="30000"/>
+            </a:schemeClr>
+          </a:solidFill>
+          <a:ln>
+            <a:solidFill>
+              <a:srgbClr val="FF0000"/>
+            </a:solidFill>
+          </a:ln>
+        </p:spPr>
+        <p:style>
+          <a:lnRef idx="2">
+            <a:schemeClr val="accent1">
+              <a:shade val="15000"/>
+            </a:schemeClr>
+          </a:lnRef>
+          <a:fillRef idx="1">
+            <a:schemeClr val="accent1"/>
+          </a:fillRef>
+          <a:effectRef idx="0">
+            <a:schemeClr val="accent1"/>
+          </a:effectRef>
+          <a:fontRef idx="minor">
+            <a:schemeClr val="lt1"/>
+          </a:fontRef>
+        </p:style>
+        <p:txBody>
+          <a:bodyPr rtlCol="0" anchor="ctr"/>
+          <a:lstStyle/>
+          <a:p>
+            <a:pPr algn="ctr"/>
+            <a:endParaRPr lang="de-DE"/>
+          </a:p>
+        </p:txBody>
+      </p:sp>
     </p:spTree>
     <p:extLst>
       <p:ext uri="{BB962C8B-B14F-4D97-AF65-F5344CB8AC3E}">
@@ -23255,10 +23166,180 @@
   <p:clrMapOvr>
     <a:masterClrMapping/>
   </p:clrMapOvr>
+  <p:timing>
+    <p:tnLst>
+      <p:par>
+        <p:cTn id="1" dur="indefinite" restart="never" nodeType="tmRoot">
+          <p:childTnLst>
+            <p:seq concurrent="1" nextAc="seek">
+              <p:cTn id="2" dur="indefinite" nodeType="mainSeq">
+                <p:childTnLst>
+                  <p:par>
+                    <p:cTn id="3" fill="hold">
+                      <p:stCondLst>
+                        <p:cond delay="indefinite"/>
+                      </p:stCondLst>
+                      <p:childTnLst>
+                        <p:par>
+                          <p:cTn id="4" fill="hold">
+                            <p:stCondLst>
+                              <p:cond delay="0"/>
+                            </p:stCondLst>
+                            <p:childTnLst>
+                              <p:par>
+                                <p:cTn id="5" presetID="1" presetClass="entr" presetSubtype="0" fill="hold" grpId="0" nodeType="clickEffect">
+                                  <p:stCondLst>
+                                    <p:cond delay="0"/>
+                                  </p:stCondLst>
+                                  <p:childTnLst>
+                                    <p:set>
+                                      <p:cBhvr>
+                                        <p:cTn id="6" dur="1" fill="hold">
+                                          <p:stCondLst>
+                                            <p:cond delay="0"/>
+                                          </p:stCondLst>
+                                        </p:cTn>
+                                        <p:tgtEl>
+                                          <p:spTgt spid="3"/>
+                                        </p:tgtEl>
+                                        <p:attrNameLst>
+                                          <p:attrName>style.visibility</p:attrName>
+                                        </p:attrNameLst>
+                                      </p:cBhvr>
+                                      <p:to>
+                                        <p:strVal val="visible"/>
+                                      </p:to>
+                                    </p:set>
+                                  </p:childTnLst>
+                                </p:cTn>
+                              </p:par>
+                            </p:childTnLst>
+                          </p:cTn>
+                        </p:par>
+                      </p:childTnLst>
+                    </p:cTn>
+                  </p:par>
+                  <p:par>
+                    <p:cTn id="7" fill="hold">
+                      <p:stCondLst>
+                        <p:cond delay="indefinite"/>
+                      </p:stCondLst>
+                      <p:childTnLst>
+                        <p:par>
+                          <p:cTn id="8" fill="hold">
+                            <p:stCondLst>
+                              <p:cond delay="0"/>
+                            </p:stCondLst>
+                            <p:childTnLst>
+                              <p:par>
+                                <p:cTn id="9" presetID="1" presetClass="entr" presetSubtype="0" fill="hold" grpId="0" nodeType="clickEffect">
+                                  <p:stCondLst>
+                                    <p:cond delay="0"/>
+                                  </p:stCondLst>
+                                  <p:childTnLst>
+                                    <p:set>
+                                      <p:cBhvr>
+                                        <p:cTn id="10" dur="1" fill="hold">
+                                          <p:stCondLst>
+                                            <p:cond delay="0"/>
+                                          </p:stCondLst>
+                                        </p:cTn>
+                                        <p:tgtEl>
+                                          <p:spTgt spid="6"/>
+                                        </p:tgtEl>
+                                        <p:attrNameLst>
+                                          <p:attrName>style.visibility</p:attrName>
+                                        </p:attrNameLst>
+                                      </p:cBhvr>
+                                      <p:to>
+                                        <p:strVal val="visible"/>
+                                      </p:to>
+                                    </p:set>
+                                  </p:childTnLst>
+                                </p:cTn>
+                              </p:par>
+                            </p:childTnLst>
+                          </p:cTn>
+                        </p:par>
+                      </p:childTnLst>
+                    </p:cTn>
+                  </p:par>
+                  <p:par>
+                    <p:cTn id="11" fill="hold">
+                      <p:stCondLst>
+                        <p:cond delay="indefinite"/>
+                      </p:stCondLst>
+                      <p:childTnLst>
+                        <p:par>
+                          <p:cTn id="12" fill="hold">
+                            <p:stCondLst>
+                              <p:cond delay="0"/>
+                            </p:stCondLst>
+                            <p:childTnLst>
+                              <p:par>
+                                <p:cTn id="13" presetID="1" presetClass="entr" presetSubtype="0" fill="hold" grpId="0" nodeType="clickEffect">
+                                  <p:stCondLst>
+                                    <p:cond delay="0"/>
+                                  </p:stCondLst>
+                                  <p:childTnLst>
+                                    <p:set>
+                                      <p:cBhvr>
+                                        <p:cTn id="14" dur="1" fill="hold">
+                                          <p:stCondLst>
+                                            <p:cond delay="0"/>
+                                          </p:stCondLst>
+                                        </p:cTn>
+                                        <p:tgtEl>
+                                          <p:spTgt spid="8"/>
+                                        </p:tgtEl>
+                                        <p:attrNameLst>
+                                          <p:attrName>style.visibility</p:attrName>
+                                        </p:attrNameLst>
+                                      </p:cBhvr>
+                                      <p:to>
+                                        <p:strVal val="visible"/>
+                                      </p:to>
+                                    </p:set>
+                                  </p:childTnLst>
+                                </p:cTn>
+                              </p:par>
+                            </p:childTnLst>
+                          </p:cTn>
+                        </p:par>
+                      </p:childTnLst>
+                    </p:cTn>
+                  </p:par>
+                </p:childTnLst>
+              </p:cTn>
+              <p:prevCondLst>
+                <p:cond evt="onPrev" delay="0">
+                  <p:tgtEl>
+                    <p:sldTgt/>
+                  </p:tgtEl>
+                </p:cond>
+              </p:prevCondLst>
+              <p:nextCondLst>
+                <p:cond evt="onNext" delay="0">
+                  <p:tgtEl>
+                    <p:sldTgt/>
+                  </p:tgtEl>
+                </p:cond>
+              </p:nextCondLst>
+            </p:seq>
+          </p:childTnLst>
+        </p:cTn>
+      </p:par>
+    </p:tnLst>
+    <p:bldLst>
+      <p:bldP spid="3" grpId="0" animBg="1"/>
+      <p:bldP spid="6" grpId="0" animBg="1"/>
+      <p:bldP spid="8" grpId="0" animBg="1"/>
+    </p:bldLst>
+  </p:timing>
 </p:sld>
 </file>
 
-<file path=ppt/slides/slide13.xml><?xml version="1.0" encoding="utf-8"?>
+<file path=ppt/slides/slide12.xml><?xml version="1.0" encoding="utf-8"?>
 <p:sld xmlns:a="http://schemas.openxmlformats.org/drawingml/2006/main" xmlns:r="http://schemas.openxmlformats.org/officeDocument/2006/relationships" xmlns:p="http://schemas.openxmlformats.org/presentationml/2006/main">
   <p:cSld>
     <p:spTree>
@@ -23353,7 +23434,7 @@
             <a:fld id="{B5CEABB6-07DC-46E8-9B57-56EC44A396E5}" type="slidenum">
               <a:rPr lang="de-DE" smtClean="0"/>
               <a:pPr rtl="0"/>
-              <a:t>13</a:t>
+              <a:t>12</a:t>
             </a:fld>
             <a:endParaRPr lang="de-DE" dirty="0"/>
           </a:p>
@@ -23746,6 +23827,174 @@
           </a:prstGeom>
         </p:spPr>
       </p:pic>
+      <p:sp>
+        <p:nvSpPr>
+          <p:cNvPr id="3" name="Rechteck 2">
+            <a:extLst>
+              <a:ext uri="{FF2B5EF4-FFF2-40B4-BE49-F238E27FC236}">
+                <a16:creationId xmlns:a16="http://schemas.microsoft.com/office/drawing/2014/main" id="{36479907-55DE-B079-F586-AFCD446DBFE1}"/>
+              </a:ext>
+            </a:extLst>
+          </p:cNvPr>
+          <p:cNvSpPr/>
+          <p:nvPr/>
+        </p:nvSpPr>
+        <p:spPr>
+          <a:xfrm>
+            <a:off x="499222" y="4046912"/>
+            <a:ext cx="1927105" cy="195205"/>
+          </a:xfrm>
+          <a:prstGeom prst="rect">
+            <a:avLst/>
+          </a:prstGeom>
+          <a:solidFill>
+            <a:schemeClr val="accent1">
+              <a:alpha val="30000"/>
+            </a:schemeClr>
+          </a:solidFill>
+          <a:ln>
+            <a:solidFill>
+              <a:srgbClr val="FF0000"/>
+            </a:solidFill>
+          </a:ln>
+        </p:spPr>
+        <p:style>
+          <a:lnRef idx="2">
+            <a:schemeClr val="accent1">
+              <a:shade val="15000"/>
+            </a:schemeClr>
+          </a:lnRef>
+          <a:fillRef idx="1">
+            <a:schemeClr val="accent1"/>
+          </a:fillRef>
+          <a:effectRef idx="0">
+            <a:schemeClr val="accent1"/>
+          </a:effectRef>
+          <a:fontRef idx="minor">
+            <a:schemeClr val="lt1"/>
+          </a:fontRef>
+        </p:style>
+        <p:txBody>
+          <a:bodyPr rtlCol="0" anchor="ctr"/>
+          <a:lstStyle/>
+          <a:p>
+            <a:pPr algn="ctr"/>
+            <a:endParaRPr lang="de-DE"/>
+          </a:p>
+        </p:txBody>
+      </p:sp>
+      <p:sp>
+        <p:nvSpPr>
+          <p:cNvPr id="5" name="Rechteck 4">
+            <a:extLst>
+              <a:ext uri="{FF2B5EF4-FFF2-40B4-BE49-F238E27FC236}">
+                <a16:creationId xmlns:a16="http://schemas.microsoft.com/office/drawing/2014/main" id="{52861AE2-1A84-6021-809B-4AD31086FFC0}"/>
+              </a:ext>
+            </a:extLst>
+          </p:cNvPr>
+          <p:cNvSpPr/>
+          <p:nvPr/>
+        </p:nvSpPr>
+        <p:spPr>
+          <a:xfrm>
+            <a:off x="3195646" y="4930561"/>
+            <a:ext cx="2463100" cy="338554"/>
+          </a:xfrm>
+          <a:prstGeom prst="rect">
+            <a:avLst/>
+          </a:prstGeom>
+          <a:solidFill>
+            <a:schemeClr val="accent1">
+              <a:alpha val="30000"/>
+            </a:schemeClr>
+          </a:solidFill>
+          <a:ln>
+            <a:solidFill>
+              <a:srgbClr val="FF0000"/>
+            </a:solidFill>
+          </a:ln>
+        </p:spPr>
+        <p:style>
+          <a:lnRef idx="2">
+            <a:schemeClr val="accent1">
+              <a:shade val="15000"/>
+            </a:schemeClr>
+          </a:lnRef>
+          <a:fillRef idx="1">
+            <a:schemeClr val="accent1"/>
+          </a:fillRef>
+          <a:effectRef idx="0">
+            <a:schemeClr val="accent1"/>
+          </a:effectRef>
+          <a:fontRef idx="minor">
+            <a:schemeClr val="lt1"/>
+          </a:fontRef>
+        </p:style>
+        <p:txBody>
+          <a:bodyPr rtlCol="0" anchor="ctr"/>
+          <a:lstStyle/>
+          <a:p>
+            <a:pPr algn="ctr"/>
+            <a:endParaRPr lang="de-DE"/>
+          </a:p>
+        </p:txBody>
+      </p:sp>
+      <p:sp>
+        <p:nvSpPr>
+          <p:cNvPr id="7" name="Rechteck 6">
+            <a:extLst>
+              <a:ext uri="{FF2B5EF4-FFF2-40B4-BE49-F238E27FC236}">
+                <a16:creationId xmlns:a16="http://schemas.microsoft.com/office/drawing/2014/main" id="{8CEE746A-AE29-5179-1452-F363A2324C1F}"/>
+              </a:ext>
+            </a:extLst>
+          </p:cNvPr>
+          <p:cNvSpPr/>
+          <p:nvPr/>
+        </p:nvSpPr>
+        <p:spPr>
+          <a:xfrm>
+            <a:off x="9239879" y="3308078"/>
+            <a:ext cx="606582" cy="2297332"/>
+          </a:xfrm>
+          <a:prstGeom prst="rect">
+            <a:avLst/>
+          </a:prstGeom>
+          <a:solidFill>
+            <a:schemeClr val="accent1">
+              <a:alpha val="30000"/>
+            </a:schemeClr>
+          </a:solidFill>
+          <a:ln>
+            <a:solidFill>
+              <a:srgbClr val="FF0000"/>
+            </a:solidFill>
+          </a:ln>
+        </p:spPr>
+        <p:style>
+          <a:lnRef idx="2">
+            <a:schemeClr val="accent1">
+              <a:shade val="15000"/>
+            </a:schemeClr>
+          </a:lnRef>
+          <a:fillRef idx="1">
+            <a:schemeClr val="accent1"/>
+          </a:fillRef>
+          <a:effectRef idx="0">
+            <a:schemeClr val="accent1"/>
+          </a:effectRef>
+          <a:fontRef idx="minor">
+            <a:schemeClr val="lt1"/>
+          </a:fontRef>
+        </p:style>
+        <p:txBody>
+          <a:bodyPr rtlCol="0" anchor="ctr"/>
+          <a:lstStyle/>
+          <a:p>
+            <a:pPr algn="ctr"/>
+            <a:endParaRPr lang="de-DE"/>
+          </a:p>
+        </p:txBody>
+      </p:sp>
     </p:spTree>
     <p:extLst>
       <p:ext uri="{BB962C8B-B14F-4D97-AF65-F5344CB8AC3E}">
@@ -23756,10 +24005,180 @@
   <p:clrMapOvr>
     <a:masterClrMapping/>
   </p:clrMapOvr>
+  <p:timing>
+    <p:tnLst>
+      <p:par>
+        <p:cTn id="1" dur="indefinite" restart="never" nodeType="tmRoot">
+          <p:childTnLst>
+            <p:seq concurrent="1" nextAc="seek">
+              <p:cTn id="2" dur="indefinite" nodeType="mainSeq">
+                <p:childTnLst>
+                  <p:par>
+                    <p:cTn id="3" fill="hold">
+                      <p:stCondLst>
+                        <p:cond delay="indefinite"/>
+                      </p:stCondLst>
+                      <p:childTnLst>
+                        <p:par>
+                          <p:cTn id="4" fill="hold">
+                            <p:stCondLst>
+                              <p:cond delay="0"/>
+                            </p:stCondLst>
+                            <p:childTnLst>
+                              <p:par>
+                                <p:cTn id="5" presetID="1" presetClass="entr" presetSubtype="0" fill="hold" grpId="0" nodeType="clickEffect">
+                                  <p:stCondLst>
+                                    <p:cond delay="0"/>
+                                  </p:stCondLst>
+                                  <p:childTnLst>
+                                    <p:set>
+                                      <p:cBhvr>
+                                        <p:cTn id="6" dur="1" fill="hold">
+                                          <p:stCondLst>
+                                            <p:cond delay="0"/>
+                                          </p:stCondLst>
+                                        </p:cTn>
+                                        <p:tgtEl>
+                                          <p:spTgt spid="3"/>
+                                        </p:tgtEl>
+                                        <p:attrNameLst>
+                                          <p:attrName>style.visibility</p:attrName>
+                                        </p:attrNameLst>
+                                      </p:cBhvr>
+                                      <p:to>
+                                        <p:strVal val="visible"/>
+                                      </p:to>
+                                    </p:set>
+                                  </p:childTnLst>
+                                </p:cTn>
+                              </p:par>
+                            </p:childTnLst>
+                          </p:cTn>
+                        </p:par>
+                      </p:childTnLst>
+                    </p:cTn>
+                  </p:par>
+                  <p:par>
+                    <p:cTn id="7" fill="hold">
+                      <p:stCondLst>
+                        <p:cond delay="indefinite"/>
+                      </p:stCondLst>
+                      <p:childTnLst>
+                        <p:par>
+                          <p:cTn id="8" fill="hold">
+                            <p:stCondLst>
+                              <p:cond delay="0"/>
+                            </p:stCondLst>
+                            <p:childTnLst>
+                              <p:par>
+                                <p:cTn id="9" presetID="1" presetClass="entr" presetSubtype="0" fill="hold" grpId="0" nodeType="clickEffect">
+                                  <p:stCondLst>
+                                    <p:cond delay="0"/>
+                                  </p:stCondLst>
+                                  <p:childTnLst>
+                                    <p:set>
+                                      <p:cBhvr>
+                                        <p:cTn id="10" dur="1" fill="hold">
+                                          <p:stCondLst>
+                                            <p:cond delay="0"/>
+                                          </p:stCondLst>
+                                        </p:cTn>
+                                        <p:tgtEl>
+                                          <p:spTgt spid="5"/>
+                                        </p:tgtEl>
+                                        <p:attrNameLst>
+                                          <p:attrName>style.visibility</p:attrName>
+                                        </p:attrNameLst>
+                                      </p:cBhvr>
+                                      <p:to>
+                                        <p:strVal val="visible"/>
+                                      </p:to>
+                                    </p:set>
+                                  </p:childTnLst>
+                                </p:cTn>
+                              </p:par>
+                            </p:childTnLst>
+                          </p:cTn>
+                        </p:par>
+                      </p:childTnLst>
+                    </p:cTn>
+                  </p:par>
+                  <p:par>
+                    <p:cTn id="11" fill="hold">
+                      <p:stCondLst>
+                        <p:cond delay="indefinite"/>
+                      </p:stCondLst>
+                      <p:childTnLst>
+                        <p:par>
+                          <p:cTn id="12" fill="hold">
+                            <p:stCondLst>
+                              <p:cond delay="0"/>
+                            </p:stCondLst>
+                            <p:childTnLst>
+                              <p:par>
+                                <p:cTn id="13" presetID="1" presetClass="entr" presetSubtype="0" fill="hold" grpId="0" nodeType="clickEffect">
+                                  <p:stCondLst>
+                                    <p:cond delay="0"/>
+                                  </p:stCondLst>
+                                  <p:childTnLst>
+                                    <p:set>
+                                      <p:cBhvr>
+                                        <p:cTn id="14" dur="1" fill="hold">
+                                          <p:stCondLst>
+                                            <p:cond delay="0"/>
+                                          </p:stCondLst>
+                                        </p:cTn>
+                                        <p:tgtEl>
+                                          <p:spTgt spid="7"/>
+                                        </p:tgtEl>
+                                        <p:attrNameLst>
+                                          <p:attrName>style.visibility</p:attrName>
+                                        </p:attrNameLst>
+                                      </p:cBhvr>
+                                      <p:to>
+                                        <p:strVal val="visible"/>
+                                      </p:to>
+                                    </p:set>
+                                  </p:childTnLst>
+                                </p:cTn>
+                              </p:par>
+                            </p:childTnLst>
+                          </p:cTn>
+                        </p:par>
+                      </p:childTnLst>
+                    </p:cTn>
+                  </p:par>
+                </p:childTnLst>
+              </p:cTn>
+              <p:prevCondLst>
+                <p:cond evt="onPrev" delay="0">
+                  <p:tgtEl>
+                    <p:sldTgt/>
+                  </p:tgtEl>
+                </p:cond>
+              </p:prevCondLst>
+              <p:nextCondLst>
+                <p:cond evt="onNext" delay="0">
+                  <p:tgtEl>
+                    <p:sldTgt/>
+                  </p:tgtEl>
+                </p:cond>
+              </p:nextCondLst>
+            </p:seq>
+          </p:childTnLst>
+        </p:cTn>
+      </p:par>
+    </p:tnLst>
+    <p:bldLst>
+      <p:bldP spid="3" grpId="0" animBg="1"/>
+      <p:bldP spid="5" grpId="0" animBg="1"/>
+      <p:bldP spid="7" grpId="0" animBg="1"/>
+    </p:bldLst>
+  </p:timing>
 </p:sld>
 </file>
 
-<file path=ppt/slides/slide14.xml><?xml version="1.0" encoding="utf-8"?>
+<file path=ppt/slides/slide13.xml><?xml version="1.0" encoding="utf-8"?>
 <p:sld xmlns:a="http://schemas.openxmlformats.org/drawingml/2006/main" xmlns:r="http://schemas.openxmlformats.org/officeDocument/2006/relationships" xmlns:p="http://schemas.openxmlformats.org/presentationml/2006/main">
   <p:cSld>
     <p:spTree>
@@ -23854,7 +24273,7 @@
             <a:fld id="{B5CEABB6-07DC-46E8-9B57-56EC44A396E5}" type="slidenum">
               <a:rPr lang="de-DE" smtClean="0"/>
               <a:pPr rtl="0"/>
-              <a:t>14</a:t>
+              <a:t>13</a:t>
             </a:fld>
             <a:endParaRPr lang="de-DE" dirty="0"/>
           </a:p>
@@ -24234,6 +24653,118 @@
           </a:fontRef>
         </p:style>
       </p:cxnSp>
+      <p:sp>
+        <p:nvSpPr>
+          <p:cNvPr id="3" name="Rechteck 2">
+            <a:extLst>
+              <a:ext uri="{FF2B5EF4-FFF2-40B4-BE49-F238E27FC236}">
+                <a16:creationId xmlns:a16="http://schemas.microsoft.com/office/drawing/2014/main" id="{578D7F16-96CB-554B-E1E3-48BB452AD4F7}"/>
+              </a:ext>
+            </a:extLst>
+          </p:cNvPr>
+          <p:cNvSpPr/>
+          <p:nvPr/>
+        </p:nvSpPr>
+        <p:spPr>
+          <a:xfrm>
+            <a:off x="4390931" y="3041964"/>
+            <a:ext cx="2851841" cy="228588"/>
+          </a:xfrm>
+          <a:prstGeom prst="rect">
+            <a:avLst/>
+          </a:prstGeom>
+          <a:solidFill>
+            <a:schemeClr val="accent1">
+              <a:alpha val="30000"/>
+            </a:schemeClr>
+          </a:solidFill>
+          <a:ln>
+            <a:solidFill>
+              <a:srgbClr val="FF0000"/>
+            </a:solidFill>
+          </a:ln>
+        </p:spPr>
+        <p:style>
+          <a:lnRef idx="2">
+            <a:schemeClr val="accent1">
+              <a:shade val="15000"/>
+            </a:schemeClr>
+          </a:lnRef>
+          <a:fillRef idx="1">
+            <a:schemeClr val="accent1"/>
+          </a:fillRef>
+          <a:effectRef idx="0">
+            <a:schemeClr val="accent1"/>
+          </a:effectRef>
+          <a:fontRef idx="minor">
+            <a:schemeClr val="lt1"/>
+          </a:fontRef>
+        </p:style>
+        <p:txBody>
+          <a:bodyPr rtlCol="0" anchor="ctr"/>
+          <a:lstStyle/>
+          <a:p>
+            <a:pPr algn="ctr"/>
+            <a:endParaRPr lang="de-DE"/>
+          </a:p>
+        </p:txBody>
+      </p:sp>
+      <p:sp>
+        <p:nvSpPr>
+          <p:cNvPr id="5" name="Rechteck 4">
+            <a:extLst>
+              <a:ext uri="{FF2B5EF4-FFF2-40B4-BE49-F238E27FC236}">
+                <a16:creationId xmlns:a16="http://schemas.microsoft.com/office/drawing/2014/main" id="{02319B80-0D3E-0A11-23C6-6B0963F69846}"/>
+              </a:ext>
+            </a:extLst>
+          </p:cNvPr>
+          <p:cNvSpPr/>
+          <p:nvPr/>
+        </p:nvSpPr>
+        <p:spPr>
+          <a:xfrm>
+            <a:off x="8116334" y="4822503"/>
+            <a:ext cx="3309041" cy="301757"/>
+          </a:xfrm>
+          <a:prstGeom prst="rect">
+            <a:avLst/>
+          </a:prstGeom>
+          <a:solidFill>
+            <a:schemeClr val="accent1">
+              <a:alpha val="30000"/>
+            </a:schemeClr>
+          </a:solidFill>
+          <a:ln>
+            <a:solidFill>
+              <a:srgbClr val="FF0000"/>
+            </a:solidFill>
+          </a:ln>
+        </p:spPr>
+        <p:style>
+          <a:lnRef idx="2">
+            <a:schemeClr val="accent1">
+              <a:shade val="15000"/>
+            </a:schemeClr>
+          </a:lnRef>
+          <a:fillRef idx="1">
+            <a:schemeClr val="accent1"/>
+          </a:fillRef>
+          <a:effectRef idx="0">
+            <a:schemeClr val="accent1"/>
+          </a:effectRef>
+          <a:fontRef idx="minor">
+            <a:schemeClr val="lt1"/>
+          </a:fontRef>
+        </p:style>
+        <p:txBody>
+          <a:bodyPr rtlCol="0" anchor="ctr"/>
+          <a:lstStyle/>
+          <a:p>
+            <a:pPr algn="ctr"/>
+            <a:endParaRPr lang="de-DE"/>
+          </a:p>
+        </p:txBody>
+      </p:sp>
     </p:spTree>
     <p:extLst>
       <p:ext uri="{BB962C8B-B14F-4D97-AF65-F5344CB8AC3E}">
@@ -24244,10 +24775,134 @@
   <p:clrMapOvr>
     <a:masterClrMapping/>
   </p:clrMapOvr>
+  <p:timing>
+    <p:tnLst>
+      <p:par>
+        <p:cTn id="1" dur="indefinite" restart="never" nodeType="tmRoot">
+          <p:childTnLst>
+            <p:seq concurrent="1" nextAc="seek">
+              <p:cTn id="2" dur="indefinite" nodeType="mainSeq">
+                <p:childTnLst>
+                  <p:par>
+                    <p:cTn id="3" fill="hold">
+                      <p:stCondLst>
+                        <p:cond delay="indefinite"/>
+                      </p:stCondLst>
+                      <p:childTnLst>
+                        <p:par>
+                          <p:cTn id="4" fill="hold">
+                            <p:stCondLst>
+                              <p:cond delay="0"/>
+                            </p:stCondLst>
+                            <p:childTnLst>
+                              <p:par>
+                                <p:cTn id="5" presetID="1" presetClass="entr" presetSubtype="0" fill="hold" grpId="0" nodeType="clickEffect">
+                                  <p:stCondLst>
+                                    <p:cond delay="0"/>
+                                  </p:stCondLst>
+                                  <p:childTnLst>
+                                    <p:set>
+                                      <p:cBhvr>
+                                        <p:cTn id="6" dur="1" fill="hold">
+                                          <p:stCondLst>
+                                            <p:cond delay="0"/>
+                                          </p:stCondLst>
+                                        </p:cTn>
+                                        <p:tgtEl>
+                                          <p:spTgt spid="3"/>
+                                        </p:tgtEl>
+                                        <p:attrNameLst>
+                                          <p:attrName>style.visibility</p:attrName>
+                                        </p:attrNameLst>
+                                      </p:cBhvr>
+                                      <p:to>
+                                        <p:strVal val="visible"/>
+                                      </p:to>
+                                    </p:set>
+                                  </p:childTnLst>
+                                </p:cTn>
+                              </p:par>
+                            </p:childTnLst>
+                          </p:cTn>
+                        </p:par>
+                      </p:childTnLst>
+                    </p:cTn>
+                  </p:par>
+                  <p:par>
+                    <p:cTn id="7" fill="hold">
+                      <p:stCondLst>
+                        <p:cond delay="indefinite"/>
+                      </p:stCondLst>
+                      <p:childTnLst>
+                        <p:par>
+                          <p:cTn id="8" fill="hold">
+                            <p:stCondLst>
+                              <p:cond delay="0"/>
+                            </p:stCondLst>
+                            <p:childTnLst>
+                              <p:par>
+                                <p:cTn id="9" presetID="1" presetClass="entr" presetSubtype="0" fill="hold" grpId="0" nodeType="clickEffect">
+                                  <p:stCondLst>
+                                    <p:cond delay="0"/>
+                                  </p:stCondLst>
+                                  <p:childTnLst>
+                                    <p:set>
+                                      <p:cBhvr>
+                                        <p:cTn id="10" dur="1" fill="hold">
+                                          <p:stCondLst>
+                                            <p:cond delay="0"/>
+                                          </p:stCondLst>
+                                        </p:cTn>
+                                        <p:tgtEl>
+                                          <p:spTgt spid="5"/>
+                                        </p:tgtEl>
+                                        <p:attrNameLst>
+                                          <p:attrName>style.visibility</p:attrName>
+                                        </p:attrNameLst>
+                                      </p:cBhvr>
+                                      <p:to>
+                                        <p:strVal val="visible"/>
+                                      </p:to>
+                                    </p:set>
+                                  </p:childTnLst>
+                                </p:cTn>
+                              </p:par>
+                            </p:childTnLst>
+                          </p:cTn>
+                        </p:par>
+                      </p:childTnLst>
+                    </p:cTn>
+                  </p:par>
+                </p:childTnLst>
+              </p:cTn>
+              <p:prevCondLst>
+                <p:cond evt="onPrev" delay="0">
+                  <p:tgtEl>
+                    <p:sldTgt/>
+                  </p:tgtEl>
+                </p:cond>
+              </p:prevCondLst>
+              <p:nextCondLst>
+                <p:cond evt="onNext" delay="0">
+                  <p:tgtEl>
+                    <p:sldTgt/>
+                  </p:tgtEl>
+                </p:cond>
+              </p:nextCondLst>
+            </p:seq>
+          </p:childTnLst>
+        </p:cTn>
+      </p:par>
+    </p:tnLst>
+    <p:bldLst>
+      <p:bldP spid="3" grpId="0" animBg="1"/>
+      <p:bldP spid="5" grpId="0" animBg="1"/>
+    </p:bldLst>
+  </p:timing>
 </p:sld>
 </file>
 
-<file path=ppt/slides/slide15.xml><?xml version="1.0" encoding="utf-8"?>
+<file path=ppt/slides/slide14.xml><?xml version="1.0" encoding="utf-8"?>
 <p:sld xmlns:a="http://schemas.openxmlformats.org/drawingml/2006/main" xmlns:r="http://schemas.openxmlformats.org/officeDocument/2006/relationships" xmlns:p="http://schemas.openxmlformats.org/presentationml/2006/main">
   <p:cSld>
     <p:spTree>
@@ -24331,7 +24986,7 @@
             <a:fld id="{B5CEABB6-07DC-46E8-9B57-56EC44A396E5}" type="slidenum">
               <a:rPr lang="de-DE" smtClean="0"/>
               <a:pPr rtl="0"/>
-              <a:t>15</a:t>
+              <a:t>14</a:t>
             </a:fld>
             <a:endParaRPr lang="de-DE" dirty="0"/>
           </a:p>
@@ -24366,104 +25021,171 @@
           <a:lstStyle/>
           <a:p>
             <a:pPr marL="285750" indent="-285750">
+              <a:lnSpc>
+                <a:spcPct val="100000"/>
+              </a:lnSpc>
+              <a:spcAft>
+                <a:spcPts val="600"/>
+              </a:spcAft>
               <a:buFont typeface="Arial" panose="020B0604020202020204" pitchFamily="34" charset="0"/>
               <a:buChar char="•"/>
             </a:pPr>
             <a:r>
-              <a:rPr lang="de-DE" sz="1600" b="1" dirty="0"/>
+              <a:rPr lang="de-DE" b="1" dirty="0"/>
               <a:t>Ziele der App</a:t>
             </a:r>
           </a:p>
           <a:p>
-            <a:pPr marL="742950" lvl="1" indent="-285750"/>
-            <a:r>
-              <a:rPr lang="de-DE" sz="1600" dirty="0"/>
+            <a:pPr marL="742950" lvl="1" indent="-285750">
+              <a:lnSpc>
+                <a:spcPct val="100000"/>
+              </a:lnSpc>
+              <a:spcAft>
+                <a:spcPts val="600"/>
+              </a:spcAft>
+            </a:pPr>
+            <a:r>
+              <a:rPr lang="de-DE" dirty="0"/>
               <a:t>Generierung von </a:t>
             </a:r>
             <a:r>
-              <a:rPr lang="de-DE" sz="1600" dirty="0" err="1"/>
+              <a:rPr lang="de-DE" dirty="0" err="1"/>
               <a:t>Learnings</a:t>
             </a:r>
             <a:r>
-              <a:rPr lang="de-DE" sz="1600" dirty="0"/>
+              <a:rPr lang="de-DE" dirty="0"/>
               <a:t>.</a:t>
             </a:r>
           </a:p>
           <a:p>
-            <a:pPr marL="742950" lvl="1" indent="-285750"/>
-            <a:r>
-              <a:rPr lang="de-DE" sz="1600" dirty="0"/>
+            <a:pPr marL="742950" lvl="1" indent="-285750">
+              <a:lnSpc>
+                <a:spcPct val="100000"/>
+              </a:lnSpc>
+              <a:spcAft>
+                <a:spcPts val="600"/>
+              </a:spcAft>
+            </a:pPr>
+            <a:r>
+              <a:rPr lang="de-DE" dirty="0"/>
               <a:t>Optimierung künftiger Kampagnen.</a:t>
             </a:r>
           </a:p>
           <a:p>
             <a:pPr marL="285750" indent="-285750">
+              <a:lnSpc>
+                <a:spcPct val="100000"/>
+              </a:lnSpc>
+              <a:spcAft>
+                <a:spcPts val="600"/>
+              </a:spcAft>
               <a:buFont typeface="Arial" panose="020B0604020202020204" pitchFamily="34" charset="0"/>
               <a:buChar char="•"/>
             </a:pPr>
             <a:r>
-              <a:rPr lang="de-DE" sz="1600" b="1" dirty="0"/>
+              <a:rPr lang="de-DE" b="1" dirty="0"/>
               <a:t>Funktionsumfang</a:t>
             </a:r>
           </a:p>
           <a:p>
-            <a:pPr marL="742950" lvl="1" indent="-285750"/>
-            <a:r>
-              <a:rPr lang="de-DE" sz="1600" dirty="0"/>
+            <a:pPr marL="742950" lvl="1" indent="-285750">
+              <a:lnSpc>
+                <a:spcPct val="100000"/>
+              </a:lnSpc>
+              <a:spcAft>
+                <a:spcPts val="600"/>
+              </a:spcAft>
+            </a:pPr>
+            <a:r>
+              <a:rPr lang="de-DE" dirty="0"/>
               <a:t>Änderung von Parametern (Budget, Wahl der Werbeformate und –Platzierungen).</a:t>
             </a:r>
           </a:p>
           <a:p>
-            <a:pPr marL="742950" lvl="1" indent="-285750"/>
-            <a:r>
-              <a:rPr lang="de-DE" sz="1600" dirty="0"/>
+            <a:pPr marL="742950" lvl="1" indent="-285750">
+              <a:lnSpc>
+                <a:spcPct val="100000"/>
+              </a:lnSpc>
+              <a:spcAft>
+                <a:spcPts val="600"/>
+              </a:spcAft>
+            </a:pPr>
+            <a:r>
+              <a:rPr lang="de-DE" dirty="0"/>
               <a:t>Umsatz-Prognose in Echtzeit.</a:t>
             </a:r>
           </a:p>
           <a:p>
-            <a:pPr marL="742950" lvl="1" indent="-285750"/>
-            <a:r>
-              <a:rPr lang="de-DE" sz="1600" dirty="0"/>
+            <a:pPr marL="742950" lvl="1" indent="-285750">
+              <a:lnSpc>
+                <a:spcPct val="100000"/>
+              </a:lnSpc>
+              <a:spcAft>
+                <a:spcPts val="600"/>
+              </a:spcAft>
+            </a:pPr>
+            <a:r>
+              <a:rPr lang="de-DE" dirty="0"/>
               <a:t>Übersicht der Regressionsergebnisse zwecks Handlungsempfehlung.</a:t>
             </a:r>
           </a:p>
           <a:p>
             <a:pPr marL="285750" indent="-285750">
+              <a:lnSpc>
+                <a:spcPct val="100000"/>
+              </a:lnSpc>
+              <a:spcAft>
+                <a:spcPts val="600"/>
+              </a:spcAft>
               <a:buFont typeface="Arial" panose="020B0604020202020204" pitchFamily="34" charset="0"/>
               <a:buChar char="•"/>
             </a:pPr>
             <a:r>
-              <a:rPr lang="de-DE" sz="1600" b="1" dirty="0"/>
+              <a:rPr lang="de-DE" b="1" dirty="0"/>
               <a:t>Die Programmierung basiert auf zwei Python-Dateien</a:t>
             </a:r>
           </a:p>
           <a:p>
-            <a:pPr marL="742950" lvl="1" indent="-285750"/>
-            <a:r>
-              <a:rPr lang="de-DE" sz="1600" dirty="0"/>
+            <a:pPr marL="742950" lvl="1" indent="-285750">
+              <a:lnSpc>
+                <a:spcPct val="100000"/>
+              </a:lnSpc>
+              <a:spcAft>
+                <a:spcPts val="600"/>
+              </a:spcAft>
+            </a:pPr>
+            <a:r>
+              <a:rPr lang="de-DE" dirty="0"/>
               <a:t>„main.py“ =&gt; Steuert die </a:t>
             </a:r>
             <a:r>
-              <a:rPr lang="de-DE" sz="1600" dirty="0" err="1"/>
+              <a:rPr lang="de-DE" dirty="0" err="1"/>
               <a:t>Streamlit</a:t>
             </a:r>
             <a:r>
-              <a:rPr lang="de-DE" sz="1600" dirty="0"/>
+              <a:rPr lang="de-DE" dirty="0"/>
               <a:t>-App.</a:t>
             </a:r>
           </a:p>
           <a:p>
-            <a:pPr marL="742950" lvl="1" indent="-285750"/>
-            <a:r>
-              <a:rPr lang="de-DE" sz="1600" dirty="0"/>
+            <a:pPr marL="742950" lvl="1" indent="-285750">
+              <a:lnSpc>
+                <a:spcPct val="100000"/>
+              </a:lnSpc>
+              <a:spcAft>
+                <a:spcPts val="600"/>
+              </a:spcAft>
+            </a:pPr>
+            <a:r>
+              <a:rPr lang="de-DE" dirty="0"/>
               <a:t>„forecast.py“ =&gt; Funktionen für die Generierung der Daten, der Regressionsergebnisse und der Sales-</a:t>
             </a:r>
             <a:r>
-              <a:rPr lang="de-DE" sz="1600" dirty="0" err="1"/>
+              <a:rPr lang="de-DE" dirty="0" err="1"/>
               <a:t>Prediction</a:t>
             </a:r>
             <a:r>
-              <a:rPr lang="de-DE" sz="1600" dirty="0"/>
+              <a:rPr lang="de-DE" dirty="0"/>
               <a:t>.</a:t>
             </a:r>
           </a:p>
@@ -24483,6 +25205,326 @@
     <p:extLst>
       <p:ext uri="{BB962C8B-B14F-4D97-AF65-F5344CB8AC3E}">
         <p14:creationId xmlns:p14="http://schemas.microsoft.com/office/powerpoint/2010/main" val="748960350"/>
+      </p:ext>
+    </p:extLst>
+  </p:cSld>
+  <p:clrMapOvr>
+    <a:masterClrMapping/>
+  </p:clrMapOvr>
+</p:sld>
+</file>
+
+<file path=ppt/slides/slide15.xml><?xml version="1.0" encoding="utf-8"?>
+<p:sld xmlns:a="http://schemas.openxmlformats.org/drawingml/2006/main" xmlns:r="http://schemas.openxmlformats.org/officeDocument/2006/relationships" xmlns:p="http://schemas.openxmlformats.org/presentationml/2006/main">
+  <p:cSld>
+    <p:spTree>
+      <p:nvGrpSpPr>
+        <p:cNvPr id="1" name=""/>
+        <p:cNvGrpSpPr/>
+        <p:nvPr/>
+      </p:nvGrpSpPr>
+      <p:grpSpPr>
+        <a:xfrm>
+          <a:off x="0" y="0"/>
+          <a:ext cx="0" cy="0"/>
+          <a:chOff x="0" y="0"/>
+          <a:chExt cx="0" cy="0"/>
+        </a:xfrm>
+      </p:grpSpPr>
+      <p:sp>
+        <p:nvSpPr>
+          <p:cNvPr id="2" name="Titel 1">
+            <a:extLst>
+              <a:ext uri="{FF2B5EF4-FFF2-40B4-BE49-F238E27FC236}">
+                <a16:creationId xmlns:a16="http://schemas.microsoft.com/office/drawing/2014/main" id="{67708C79-A4AC-4B5D-92DF-600737E4D11A}"/>
+              </a:ext>
+            </a:extLst>
+          </p:cNvPr>
+          <p:cNvSpPr>
+            <a:spLocks noGrp="1"/>
+          </p:cNvSpPr>
+          <p:nvPr>
+            <p:ph type="title"/>
+          </p:nvPr>
+        </p:nvSpPr>
+        <p:spPr>
+          <a:xfrm>
+            <a:off x="3520440" y="896111"/>
+            <a:ext cx="7889768" cy="2039341"/>
+          </a:xfrm>
+        </p:spPr>
+        <p:txBody>
+          <a:bodyPr rtlCol="0"/>
+          <a:lstStyle>
+            <a:defPPr>
+              <a:defRPr lang="de-DE"/>
+            </a:defPPr>
+          </a:lstStyle>
+          <a:p>
+            <a:pPr rtl="0"/>
+            <a:r>
+              <a:rPr lang="de-DE" dirty="0"/>
+              <a:t>Fazit </a:t>
+            </a:r>
+            <a:br>
+              <a:rPr lang="de-DE" dirty="0"/>
+            </a:br>
+            <a:r>
+              <a:rPr lang="de-DE" sz="2000" dirty="0">
+                <a:solidFill>
+                  <a:schemeClr val="accent4"/>
+                </a:solidFill>
+              </a:rPr>
+              <a:t>– Probleme und Schwächen</a:t>
+            </a:r>
+          </a:p>
+        </p:txBody>
+      </p:sp>
+      <p:sp>
+        <p:nvSpPr>
+          <p:cNvPr id="12" name="Textplatzhalter 11">
+            <a:extLst>
+              <a:ext uri="{FF2B5EF4-FFF2-40B4-BE49-F238E27FC236}">
+                <a16:creationId xmlns:a16="http://schemas.microsoft.com/office/drawing/2014/main" id="{D3251268-42B4-3B45-A59B-740E2DB97A00}"/>
+              </a:ext>
+            </a:extLst>
+          </p:cNvPr>
+          <p:cNvSpPr>
+            <a:spLocks noGrp="1"/>
+          </p:cNvSpPr>
+          <p:nvPr>
+            <p:ph sz="half" idx="14"/>
+          </p:nvPr>
+        </p:nvSpPr>
+        <p:spPr>
+          <a:xfrm>
+            <a:off x="3520440" y="2109457"/>
+            <a:ext cx="7886080" cy="4156131"/>
+          </a:xfrm>
+        </p:spPr>
+        <p:txBody>
+          <a:bodyPr rtlCol="0">
+            <a:normAutofit fontScale="25000" lnSpcReduction="20000"/>
+          </a:bodyPr>
+          <a:lstStyle>
+            <a:defPPr>
+              <a:defRPr lang="de-DE"/>
+            </a:defPPr>
+          </a:lstStyle>
+          <a:p>
+            <a:pPr rtl="0">
+              <a:lnSpc>
+                <a:spcPct val="120000"/>
+              </a:lnSpc>
+              <a:spcAft>
+                <a:spcPts val="600"/>
+              </a:spcAft>
+            </a:pPr>
+            <a:r>
+              <a:rPr lang="de-DE" sz="7200" b="1" dirty="0"/>
+              <a:t>Daten fiktiv? </a:t>
+            </a:r>
+            <a:r>
+              <a:rPr lang="de-DE" sz="7200" dirty="0"/>
+              <a:t>=&gt; Sales-</a:t>
+            </a:r>
+            <a:r>
+              <a:rPr lang="de-DE" sz="7200" dirty="0" err="1"/>
+              <a:t>Amount</a:t>
+            </a:r>
+            <a:r>
+              <a:rPr lang="de-DE" sz="7200" dirty="0"/>
+              <a:t>-Werte extrem hoch.</a:t>
+            </a:r>
+          </a:p>
+          <a:p>
+            <a:pPr rtl="0">
+              <a:lnSpc>
+                <a:spcPct val="120000"/>
+              </a:lnSpc>
+              <a:spcAft>
+                <a:spcPts val="600"/>
+              </a:spcAft>
+            </a:pPr>
+            <a:r>
+              <a:rPr lang="de-DE" sz="7200" b="1" dirty="0"/>
+              <a:t>Ausgangshypothese: </a:t>
+            </a:r>
+            <a:r>
+              <a:rPr lang="de-DE" sz="7200" dirty="0"/>
+              <a:t>Möglicherweise kann Company X Banner/Placements gar nicht wählen =&gt; Reiner „Klick-Einkauf“?</a:t>
+            </a:r>
+          </a:p>
+          <a:p>
+            <a:pPr rtl="0">
+              <a:lnSpc>
+                <a:spcPct val="120000"/>
+              </a:lnSpc>
+              <a:spcAft>
+                <a:spcPts val="600"/>
+              </a:spcAft>
+            </a:pPr>
+            <a:r>
+              <a:rPr lang="de-DE" sz="7200" dirty="0"/>
+              <a:t>Generell </a:t>
+            </a:r>
+            <a:r>
+              <a:rPr lang="de-DE" sz="7200" b="1" dirty="0"/>
+              <a:t>fehlendes Wissen</a:t>
+            </a:r>
+            <a:r>
+              <a:rPr lang="de-DE" sz="7200" dirty="0"/>
+              <a:t> über:</a:t>
+            </a:r>
+          </a:p>
+          <a:p>
+            <a:pPr lvl="1">
+              <a:lnSpc>
+                <a:spcPct val="120000"/>
+              </a:lnSpc>
+              <a:spcAft>
+                <a:spcPts val="600"/>
+              </a:spcAft>
+            </a:pPr>
+            <a:r>
+              <a:rPr lang="de-DE" sz="7200" dirty="0"/>
+              <a:t>Art der Kampagnen,</a:t>
+            </a:r>
+          </a:p>
+          <a:p>
+            <a:pPr lvl="1">
+              <a:lnSpc>
+                <a:spcPct val="120000"/>
+              </a:lnSpc>
+              <a:spcAft>
+                <a:spcPts val="600"/>
+              </a:spcAft>
+            </a:pPr>
+            <a:r>
+              <a:rPr lang="de-DE" sz="7200" dirty="0"/>
+              <a:t>Gestaltung der Werbemittel/Creatives,</a:t>
+            </a:r>
+          </a:p>
+          <a:p>
+            <a:pPr lvl="1">
+              <a:lnSpc>
+                <a:spcPct val="120000"/>
+              </a:lnSpc>
+              <a:spcAft>
+                <a:spcPts val="600"/>
+              </a:spcAft>
+            </a:pPr>
+            <a:r>
+              <a:rPr lang="de-DE" sz="7200" dirty="0"/>
+              <a:t>Angebotene Produkte/Dienstleistungen und</a:t>
+            </a:r>
+          </a:p>
+          <a:p>
+            <a:pPr lvl="1">
+              <a:lnSpc>
+                <a:spcPct val="120000"/>
+              </a:lnSpc>
+              <a:spcAft>
+                <a:spcPts val="600"/>
+              </a:spcAft>
+            </a:pPr>
+            <a:r>
+              <a:rPr lang="de-DE" sz="7200" dirty="0"/>
+              <a:t>Publisher / Ad </a:t>
+            </a:r>
+            <a:r>
+              <a:rPr lang="de-DE" sz="7200" dirty="0" err="1"/>
+              <a:t>Platforms</a:t>
+            </a:r>
+            <a:r>
+              <a:rPr lang="de-DE" sz="7200" dirty="0"/>
+              <a:t>.</a:t>
+            </a:r>
+          </a:p>
+          <a:p>
+            <a:pPr>
+              <a:lnSpc>
+                <a:spcPct val="120000"/>
+              </a:lnSpc>
+              <a:spcAft>
+                <a:spcPts val="600"/>
+              </a:spcAft>
+            </a:pPr>
+            <a:r>
+              <a:rPr lang="de-DE" sz="7200" b="1" dirty="0"/>
+              <a:t>Teilweise geringe Qualität/Signifikanz </a:t>
+            </a:r>
+            <a:r>
+              <a:rPr lang="de-DE" sz="7200" dirty="0"/>
+              <a:t>der Regression aufgrund der gegebenen Datenstruktur – insbesondere für Kampagne 3.</a:t>
+            </a:r>
+          </a:p>
+          <a:p>
+            <a:pPr>
+              <a:lnSpc>
+                <a:spcPct val="120000"/>
+              </a:lnSpc>
+              <a:spcAft>
+                <a:spcPts val="600"/>
+              </a:spcAft>
+            </a:pPr>
+            <a:r>
+              <a:rPr lang="de-DE" sz="7200" dirty="0"/>
+              <a:t>Möglicherweise </a:t>
+            </a:r>
+            <a:r>
+              <a:rPr lang="de-DE" sz="7200" b="1" dirty="0"/>
+              <a:t>nicht-lineares Modell (Random Forest)</a:t>
+            </a:r>
+            <a:r>
+              <a:rPr lang="de-DE" sz="7200" dirty="0"/>
+              <a:t> mit besserer Anpassung/Erklärungsgüte.</a:t>
+            </a:r>
+          </a:p>
+          <a:p>
+            <a:endParaRPr lang="de-DE" dirty="0"/>
+          </a:p>
+        </p:txBody>
+      </p:sp>
+      <p:sp>
+        <p:nvSpPr>
+          <p:cNvPr id="14" name="Foliennummernplatzhalter 13">
+            <a:extLst>
+              <a:ext uri="{FF2B5EF4-FFF2-40B4-BE49-F238E27FC236}">
+                <a16:creationId xmlns:a16="http://schemas.microsoft.com/office/drawing/2014/main" id="{F3DE1AA4-0AE6-C6D5-E252-BBD5ED259E32}"/>
+              </a:ext>
+            </a:extLst>
+          </p:cNvPr>
+          <p:cNvSpPr>
+            <a:spLocks noGrp="1"/>
+          </p:cNvSpPr>
+          <p:nvPr>
+            <p:ph type="sldNum" sz="quarter" idx="12"/>
+          </p:nvPr>
+        </p:nvSpPr>
+        <p:spPr/>
+        <p:txBody>
+          <a:bodyPr rtlCol="0"/>
+          <a:lstStyle>
+            <a:defPPr>
+              <a:defRPr lang="de-DE"/>
+            </a:defPPr>
+          </a:lstStyle>
+          <a:p>
+            <a:pPr rtl="0"/>
+            <a:fld id="{B5CEABB6-07DC-46E8-9B57-56EC44A396E5}" type="slidenum">
+              <a:rPr lang="de-DE" smtClean="0"/>
+              <a:pPr rtl="0"/>
+              <a:t>15</a:t>
+            </a:fld>
+            <a:endParaRPr lang="de-DE" dirty="0"/>
+          </a:p>
+        </p:txBody>
+      </p:sp>
+    </p:spTree>
+    <p:extLst>
+      <p:ext uri="{BB962C8B-B14F-4D97-AF65-F5344CB8AC3E}">
+        <p14:creationId xmlns:p14="http://schemas.microsoft.com/office/powerpoint/2010/main" val="1418789964"/>
       </p:ext>
     </p:extLst>
   </p:cSld>
@@ -24553,8 +25595,21 @@
                   <a:schemeClr val="accent4"/>
                 </a:solidFill>
               </a:rPr>
-              <a:t>– Probleme und Schwächen</a:t>
-            </a:r>
+              <a:t>– </a:t>
+            </a:r>
+            <a:r>
+              <a:rPr lang="de-DE" sz="2000" dirty="0" err="1">
+                <a:solidFill>
+                  <a:schemeClr val="accent4"/>
+                </a:solidFill>
+              </a:rPr>
+              <a:t>Learnings</a:t>
+            </a:r>
+            <a:endParaRPr lang="de-DE" sz="2000" dirty="0">
+              <a:solidFill>
+                <a:schemeClr val="accent4"/>
+              </a:solidFill>
+            </a:endParaRPr>
           </a:p>
         </p:txBody>
       </p:sp>
@@ -24582,7 +25637,7 @@
         </p:spPr>
         <p:txBody>
           <a:bodyPr rtlCol="0">
-            <a:normAutofit fontScale="25000" lnSpcReduction="20000"/>
+            <a:normAutofit/>
           </a:bodyPr>
           <a:lstStyle>
             <a:defPPr>
@@ -24596,20 +25651,30 @@
               </a:lnSpc>
             </a:pPr>
             <a:r>
-              <a:rPr lang="de-DE" sz="6400" b="1" dirty="0"/>
-              <a:t>Daten fiktiv? </a:t>
-            </a:r>
-            <a:r>
-              <a:rPr lang="de-DE" sz="6400" dirty="0"/>
-              <a:t>=&gt; Sales-</a:t>
-            </a:r>
-            <a:r>
-              <a:rPr lang="de-DE" sz="6400" dirty="0" err="1"/>
-              <a:t>Amount</a:t>
-            </a:r>
-            <a:r>
-              <a:rPr lang="de-DE" sz="6400" dirty="0"/>
-              <a:t>-Werte extrem hoch.</a:t>
+              <a:rPr lang="de-DE" sz="2200" b="1" dirty="0"/>
+              <a:t>Datenexploration ist</a:t>
+            </a:r>
+          </a:p>
+          <a:p>
+            <a:pPr lvl="1">
+              <a:lnSpc>
+                <a:spcPct val="120000"/>
+              </a:lnSpc>
+            </a:pPr>
+            <a:r>
+              <a:rPr lang="de-DE" sz="2200" dirty="0"/>
+              <a:t>Zeitaufwändig </a:t>
+            </a:r>
+          </a:p>
+          <a:p>
+            <a:pPr lvl="1">
+              <a:lnSpc>
+                <a:spcPct val="120000"/>
+              </a:lnSpc>
+            </a:pPr>
+            <a:r>
+              <a:rPr lang="de-DE" sz="2200" dirty="0"/>
+              <a:t>und fundamental.</a:t>
             </a:r>
           </a:p>
           <a:p>
@@ -24619,118 +25684,40 @@
               </a:lnSpc>
             </a:pPr>
             <a:r>
-              <a:rPr lang="de-DE" sz="6400" b="1" dirty="0"/>
-              <a:t>Ausgangshypothese: </a:t>
-            </a:r>
-            <a:r>
-              <a:rPr lang="de-DE" sz="6400" dirty="0"/>
-              <a:t>Möglicherweise kann Company X Banner/Placements gar nicht wählen =&gt; Reiner „Klick-Einkauf“?</a:t>
-            </a:r>
-          </a:p>
-          <a:p>
-            <a:pPr rtl="0">
-              <a:lnSpc>
-                <a:spcPct val="120000"/>
-              </a:lnSpc>
-            </a:pPr>
-            <a:r>
-              <a:rPr lang="de-DE" sz="6400" dirty="0"/>
-              <a:t>Generell </a:t>
-            </a:r>
-            <a:r>
-              <a:rPr lang="de-DE" sz="6400" b="1" dirty="0"/>
-              <a:t>fehlendes Wissen</a:t>
-            </a:r>
-            <a:r>
-              <a:rPr lang="de-DE" sz="6400" dirty="0"/>
-              <a:t> über:</a:t>
-            </a:r>
-          </a:p>
-          <a:p>
-            <a:pPr lvl="1">
-              <a:lnSpc>
-                <a:spcPct val="120000"/>
-              </a:lnSpc>
-            </a:pPr>
-            <a:r>
-              <a:rPr lang="de-DE" sz="6400" dirty="0"/>
-              <a:t>Art der Kampagnen,</a:t>
-            </a:r>
-          </a:p>
-          <a:p>
-            <a:pPr lvl="1">
-              <a:lnSpc>
-                <a:spcPct val="120000"/>
-              </a:lnSpc>
-            </a:pPr>
-            <a:r>
-              <a:rPr lang="de-DE" sz="6400" dirty="0"/>
-              <a:t>Gestaltung der Werbemittel/Creatives,</a:t>
-            </a:r>
-          </a:p>
-          <a:p>
-            <a:pPr lvl="1">
-              <a:lnSpc>
-                <a:spcPct val="120000"/>
-              </a:lnSpc>
-            </a:pPr>
-            <a:r>
-              <a:rPr lang="de-DE" sz="6400" dirty="0"/>
-              <a:t>Angebotene Produkte/Dienstleistungen und</a:t>
-            </a:r>
-          </a:p>
-          <a:p>
-            <a:pPr lvl="1">
-              <a:lnSpc>
-                <a:spcPct val="120000"/>
-              </a:lnSpc>
-            </a:pPr>
-            <a:r>
-              <a:rPr lang="de-DE" sz="6400" dirty="0"/>
-              <a:t>Publisher / Ad </a:t>
-            </a:r>
-            <a:r>
-              <a:rPr lang="de-DE" sz="6400" dirty="0" err="1"/>
-              <a:t>Platforms</a:t>
-            </a:r>
-            <a:r>
-              <a:rPr lang="de-DE" sz="6400" dirty="0"/>
-              <a:t>.</a:t>
-            </a:r>
-          </a:p>
-          <a:p>
-            <a:pPr>
-              <a:lnSpc>
-                <a:spcPct val="120000"/>
-              </a:lnSpc>
-            </a:pPr>
-            <a:r>
-              <a:rPr lang="de-DE" sz="6400" b="1" dirty="0"/>
-              <a:t>Teilweise geringe Qualität/Signifikanz </a:t>
-            </a:r>
-            <a:r>
-              <a:rPr lang="de-DE" sz="6400" dirty="0"/>
-              <a:t>der Regression aufgrund der gegebenen Datenstruktur – insbesondere für Kampagne 3.</a:t>
-            </a:r>
-          </a:p>
-          <a:p>
-            <a:pPr>
-              <a:lnSpc>
-                <a:spcPct val="120000"/>
-              </a:lnSpc>
-            </a:pPr>
-            <a:r>
-              <a:rPr lang="de-DE" sz="6400" dirty="0"/>
-              <a:t>Möglicherweise </a:t>
-            </a:r>
-            <a:r>
-              <a:rPr lang="de-DE" sz="6400" b="1" dirty="0"/>
-              <a:t>nicht-lineares Modell (Random Forest)</a:t>
-            </a:r>
-            <a:r>
-              <a:rPr lang="de-DE" sz="6400" dirty="0"/>
-              <a:t> mit besserer Anpassung/Erklärungsgüte.</a:t>
-            </a:r>
+              <a:rPr lang="de-DE" sz="2200" b="1" dirty="0"/>
+              <a:t>Prozess: </a:t>
+            </a:r>
+            <a:r>
+              <a:rPr lang="de-DE" sz="2400" b="0" i="0" dirty="0">
+                <a:solidFill>
+                  <a:srgbClr val="1F1F1F"/>
+                </a:solidFill>
+                <a:effectLst/>
+                <a:latin typeface="Google Sans"/>
+              </a:rPr>
+              <a:t>Datenanalyse und </a:t>
+            </a:r>
+            <a:r>
+              <a:rPr lang="de-DE" sz="2400" b="0" i="0" dirty="0" err="1">
+                <a:solidFill>
+                  <a:srgbClr val="1F1F1F"/>
+                </a:solidFill>
+                <a:effectLst/>
+                <a:latin typeface="Google Sans"/>
+              </a:rPr>
+              <a:t>Machine</a:t>
+            </a:r>
+            <a:r>
+              <a:rPr lang="de-DE" sz="2400" b="0" i="0" dirty="0">
+                <a:solidFill>
+                  <a:srgbClr val="1F1F1F"/>
+                </a:solidFill>
+                <a:effectLst/>
+                <a:latin typeface="Google Sans"/>
+              </a:rPr>
+              <a:t> Learning sind ein Prozess, bei dem man sich auch mal verläuft und mitunter zurück zum Anfang und neu denken muss.</a:t>
+            </a:r>
+            <a:endParaRPr lang="de-DE" sz="2200" dirty="0"/>
           </a:p>
           <a:p>
             <a:endParaRPr lang="de-DE" dirty="0"/>
@@ -24775,7 +25762,7 @@
     </p:spTree>
     <p:extLst>
       <p:ext uri="{BB962C8B-B14F-4D97-AF65-F5344CB8AC3E}">
-        <p14:creationId xmlns:p14="http://schemas.microsoft.com/office/powerpoint/2010/main" val="1418789964"/>
+        <p14:creationId xmlns:p14="http://schemas.microsoft.com/office/powerpoint/2010/main" val="689716868"/>
       </p:ext>
     </p:extLst>
   </p:cSld>
@@ -24846,244 +25833,6 @@
                   <a:schemeClr val="accent4"/>
                 </a:solidFill>
               </a:rPr>
-              <a:t>– </a:t>
-            </a:r>
-            <a:r>
-              <a:rPr lang="de-DE" sz="2000" dirty="0" err="1">
-                <a:solidFill>
-                  <a:schemeClr val="accent4"/>
-                </a:solidFill>
-              </a:rPr>
-              <a:t>Learnings</a:t>
-            </a:r>
-            <a:endParaRPr lang="de-DE" sz="2000" dirty="0">
-              <a:solidFill>
-                <a:schemeClr val="accent4"/>
-              </a:solidFill>
-            </a:endParaRPr>
-          </a:p>
-        </p:txBody>
-      </p:sp>
-      <p:sp>
-        <p:nvSpPr>
-          <p:cNvPr id="12" name="Textplatzhalter 11">
-            <a:extLst>
-              <a:ext uri="{FF2B5EF4-FFF2-40B4-BE49-F238E27FC236}">
-                <a16:creationId xmlns:a16="http://schemas.microsoft.com/office/drawing/2014/main" id="{D3251268-42B4-3B45-A59B-740E2DB97A00}"/>
-              </a:ext>
-            </a:extLst>
-          </p:cNvPr>
-          <p:cNvSpPr>
-            <a:spLocks noGrp="1"/>
-          </p:cNvSpPr>
-          <p:nvPr>
-            <p:ph sz="half" idx="14"/>
-          </p:nvPr>
-        </p:nvSpPr>
-        <p:spPr>
-          <a:xfrm>
-            <a:off x="3520440" y="2109457"/>
-            <a:ext cx="7886080" cy="4156131"/>
-          </a:xfrm>
-        </p:spPr>
-        <p:txBody>
-          <a:bodyPr rtlCol="0">
-            <a:normAutofit/>
-          </a:bodyPr>
-          <a:lstStyle>
-            <a:defPPr>
-              <a:defRPr lang="de-DE"/>
-            </a:defPPr>
-          </a:lstStyle>
-          <a:p>
-            <a:pPr rtl="0">
-              <a:lnSpc>
-                <a:spcPct val="120000"/>
-              </a:lnSpc>
-            </a:pPr>
-            <a:r>
-              <a:rPr lang="de-DE" sz="2200" b="1" dirty="0"/>
-              <a:t>Datenexploration ist</a:t>
-            </a:r>
-          </a:p>
-          <a:p>
-            <a:pPr lvl="1">
-              <a:lnSpc>
-                <a:spcPct val="120000"/>
-              </a:lnSpc>
-            </a:pPr>
-            <a:r>
-              <a:rPr lang="de-DE" sz="2200" dirty="0"/>
-              <a:t>Zeitaufwändig </a:t>
-            </a:r>
-          </a:p>
-          <a:p>
-            <a:pPr lvl="1">
-              <a:lnSpc>
-                <a:spcPct val="120000"/>
-              </a:lnSpc>
-            </a:pPr>
-            <a:r>
-              <a:rPr lang="de-DE" sz="2200" dirty="0"/>
-              <a:t>und fundamental.</a:t>
-            </a:r>
-          </a:p>
-          <a:p>
-            <a:pPr rtl="0">
-              <a:lnSpc>
-                <a:spcPct val="120000"/>
-              </a:lnSpc>
-            </a:pPr>
-            <a:r>
-              <a:rPr lang="de-DE" sz="2200" b="1" dirty="0"/>
-              <a:t>Prozess: </a:t>
-            </a:r>
-            <a:r>
-              <a:rPr lang="de-DE" sz="2400" b="0" i="0" dirty="0">
-                <a:solidFill>
-                  <a:srgbClr val="1F1F1F"/>
-                </a:solidFill>
-                <a:effectLst/>
-                <a:latin typeface="Google Sans"/>
-              </a:rPr>
-              <a:t>Datenanalyse und </a:t>
-            </a:r>
-            <a:r>
-              <a:rPr lang="de-DE" sz="2400" b="0" i="0" dirty="0" err="1">
-                <a:solidFill>
-                  <a:srgbClr val="1F1F1F"/>
-                </a:solidFill>
-                <a:effectLst/>
-                <a:latin typeface="Google Sans"/>
-              </a:rPr>
-              <a:t>Machine</a:t>
-            </a:r>
-            <a:r>
-              <a:rPr lang="de-DE" sz="2400" b="0" i="0" dirty="0">
-                <a:solidFill>
-                  <a:srgbClr val="1F1F1F"/>
-                </a:solidFill>
-                <a:effectLst/>
-                <a:latin typeface="Google Sans"/>
-              </a:rPr>
-              <a:t> Learning sind ein Prozess, bei dem man sich auch mal verläuft und mitunter zurück zum Anfang und neu denken muss.</a:t>
-            </a:r>
-            <a:endParaRPr lang="de-DE" sz="2200" dirty="0"/>
-          </a:p>
-          <a:p>
-            <a:endParaRPr lang="de-DE" dirty="0"/>
-          </a:p>
-        </p:txBody>
-      </p:sp>
-      <p:sp>
-        <p:nvSpPr>
-          <p:cNvPr id="14" name="Foliennummernplatzhalter 13">
-            <a:extLst>
-              <a:ext uri="{FF2B5EF4-FFF2-40B4-BE49-F238E27FC236}">
-                <a16:creationId xmlns:a16="http://schemas.microsoft.com/office/drawing/2014/main" id="{F3DE1AA4-0AE6-C6D5-E252-BBD5ED259E32}"/>
-              </a:ext>
-            </a:extLst>
-          </p:cNvPr>
-          <p:cNvSpPr>
-            <a:spLocks noGrp="1"/>
-          </p:cNvSpPr>
-          <p:nvPr>
-            <p:ph type="sldNum" sz="quarter" idx="12"/>
-          </p:nvPr>
-        </p:nvSpPr>
-        <p:spPr/>
-        <p:txBody>
-          <a:bodyPr rtlCol="0"/>
-          <a:lstStyle>
-            <a:defPPr>
-              <a:defRPr lang="de-DE"/>
-            </a:defPPr>
-          </a:lstStyle>
-          <a:p>
-            <a:pPr rtl="0"/>
-            <a:fld id="{B5CEABB6-07DC-46E8-9B57-56EC44A396E5}" type="slidenum">
-              <a:rPr lang="de-DE" smtClean="0"/>
-              <a:pPr rtl="0"/>
-              <a:t>17</a:t>
-            </a:fld>
-            <a:endParaRPr lang="de-DE" dirty="0"/>
-          </a:p>
-        </p:txBody>
-      </p:sp>
-    </p:spTree>
-    <p:extLst>
-      <p:ext uri="{BB962C8B-B14F-4D97-AF65-F5344CB8AC3E}">
-        <p14:creationId xmlns:p14="http://schemas.microsoft.com/office/powerpoint/2010/main" val="689716868"/>
-      </p:ext>
-    </p:extLst>
-  </p:cSld>
-  <p:clrMapOvr>
-    <a:masterClrMapping/>
-  </p:clrMapOvr>
-</p:sld>
-</file>
-
-<file path=ppt/slides/slide18.xml><?xml version="1.0" encoding="utf-8"?>
-<p:sld xmlns:a="http://schemas.openxmlformats.org/drawingml/2006/main" xmlns:r="http://schemas.openxmlformats.org/officeDocument/2006/relationships" xmlns:p="http://schemas.openxmlformats.org/presentationml/2006/main">
-  <p:cSld>
-    <p:spTree>
-      <p:nvGrpSpPr>
-        <p:cNvPr id="1" name=""/>
-        <p:cNvGrpSpPr/>
-        <p:nvPr/>
-      </p:nvGrpSpPr>
-      <p:grpSpPr>
-        <a:xfrm>
-          <a:off x="0" y="0"/>
-          <a:ext cx="0" cy="0"/>
-          <a:chOff x="0" y="0"/>
-          <a:chExt cx="0" cy="0"/>
-        </a:xfrm>
-      </p:grpSpPr>
-      <p:sp>
-        <p:nvSpPr>
-          <p:cNvPr id="2" name="Titel 1">
-            <a:extLst>
-              <a:ext uri="{FF2B5EF4-FFF2-40B4-BE49-F238E27FC236}">
-                <a16:creationId xmlns:a16="http://schemas.microsoft.com/office/drawing/2014/main" id="{67708C79-A4AC-4B5D-92DF-600737E4D11A}"/>
-              </a:ext>
-            </a:extLst>
-          </p:cNvPr>
-          <p:cNvSpPr>
-            <a:spLocks noGrp="1"/>
-          </p:cNvSpPr>
-          <p:nvPr>
-            <p:ph type="title"/>
-          </p:nvPr>
-        </p:nvSpPr>
-        <p:spPr>
-          <a:xfrm>
-            <a:off x="3520440" y="896111"/>
-            <a:ext cx="7889768" cy="2039341"/>
-          </a:xfrm>
-        </p:spPr>
-        <p:txBody>
-          <a:bodyPr rtlCol="0"/>
-          <a:lstStyle>
-            <a:defPPr>
-              <a:defRPr lang="de-DE"/>
-            </a:defPPr>
-          </a:lstStyle>
-          <a:p>
-            <a:pPr rtl="0"/>
-            <a:r>
-              <a:rPr lang="de-DE" dirty="0"/>
-              <a:t>Fazit </a:t>
-            </a:r>
-            <a:br>
-              <a:rPr lang="de-DE" dirty="0"/>
-            </a:br>
-            <a:r>
-              <a:rPr lang="de-DE" sz="2000" dirty="0">
-                <a:solidFill>
-                  <a:schemeClr val="accent4"/>
-                </a:solidFill>
-              </a:rPr>
               <a:t>– Potentiale</a:t>
             </a:r>
           </a:p>
@@ -25232,7 +25981,7 @@
             <a:fld id="{B5CEABB6-07DC-46E8-9B57-56EC44A396E5}" type="slidenum">
               <a:rPr lang="de-DE" smtClean="0"/>
               <a:pPr rtl="0"/>
-              <a:t>18</a:t>
+              <a:t>17</a:t>
             </a:fld>
             <a:endParaRPr lang="de-DE" dirty="0"/>
           </a:p>
@@ -25251,7 +26000,7 @@
 </p:sld>
 </file>
 
-<file path=ppt/slides/slide19.xml><?xml version="1.0" encoding="utf-8"?>
+<file path=ppt/slides/slide18.xml><?xml version="1.0" encoding="utf-8"?>
 <p:sld xmlns:a="http://schemas.openxmlformats.org/drawingml/2006/main" xmlns:r="http://schemas.openxmlformats.org/officeDocument/2006/relationships" xmlns:p="http://schemas.openxmlformats.org/presentationml/2006/main">
   <p:cSld>
     <p:spTree>
@@ -26032,8 +26781,8 @@
         </p:nvSpPr>
         <p:spPr>
           <a:xfrm>
-            <a:off x="762001" y="2100405"/>
-            <a:ext cx="7214102" cy="4619800"/>
+            <a:off x="762000" y="2100405"/>
+            <a:ext cx="9051955" cy="4619800"/>
           </a:xfrm>
           <a:prstGeom prst="rect">
             <a:avLst/>
@@ -26223,111 +26972,168 @@
             </a:lvl9pPr>
           </a:lstStyle>
           <a:p>
-            <a:pPr marL="285750" indent="-285750"/>
-            <a:r>
-              <a:rPr lang="de-DE" sz="1400" b="1" dirty="0"/>
+            <a:pPr marL="285750" indent="-285750">
+              <a:spcAft>
+                <a:spcPts val="600"/>
+              </a:spcAft>
+            </a:pPr>
+            <a:r>
+              <a:rPr lang="de-DE" sz="1600" b="1" dirty="0"/>
               <a:t>Verstehen der Daten - Einblick in den Datensatz:</a:t>
             </a:r>
           </a:p>
           <a:p>
-            <a:pPr marL="285750" indent="-285750"/>
-            <a:endParaRPr lang="de-DE" sz="1400" b="1" dirty="0"/>
-          </a:p>
-          <a:p>
-            <a:pPr marL="285750" indent="-285750"/>
-            <a:endParaRPr lang="de-DE" sz="1400" b="1" dirty="0"/>
-          </a:p>
-          <a:p>
-            <a:pPr marL="285750" indent="-285750"/>
-            <a:endParaRPr lang="de-DE" sz="1400" b="1" dirty="0"/>
-          </a:p>
-          <a:p>
-            <a:pPr marL="285750" indent="-285750"/>
-            <a:endParaRPr lang="de-DE" sz="1400" b="1" dirty="0"/>
-          </a:p>
-          <a:p>
-            <a:pPr marL="342900" indent="-342900"/>
-            <a:endParaRPr lang="de-DE" sz="1400" b="1" dirty="0"/>
-          </a:p>
-          <a:p>
-            <a:pPr marL="342900" indent="-342900"/>
-            <a:r>
-              <a:rPr lang="de-DE" sz="1400" b="1" dirty="0"/>
+            <a:pPr marL="285750" indent="-285750">
+              <a:spcAft>
+                <a:spcPts val="600"/>
+              </a:spcAft>
+            </a:pPr>
+            <a:endParaRPr lang="de-DE" sz="1600" b="1" dirty="0"/>
+          </a:p>
+          <a:p>
+            <a:pPr marL="285750" indent="-285750">
+              <a:spcAft>
+                <a:spcPts val="600"/>
+              </a:spcAft>
+            </a:pPr>
+            <a:endParaRPr lang="de-DE" sz="1600" b="1" dirty="0"/>
+          </a:p>
+          <a:p>
+            <a:pPr marL="285750" indent="-285750">
+              <a:spcAft>
+                <a:spcPts val="600"/>
+              </a:spcAft>
+            </a:pPr>
+            <a:endParaRPr lang="de-DE" sz="1600" b="1" dirty="0"/>
+          </a:p>
+          <a:p>
+            <a:pPr marL="285750" indent="-285750">
+              <a:spcAft>
+                <a:spcPts val="600"/>
+              </a:spcAft>
+            </a:pPr>
+            <a:endParaRPr lang="de-DE" sz="1600" b="1" dirty="0"/>
+          </a:p>
+          <a:p>
+            <a:pPr marL="342900" indent="-342900">
+              <a:spcAft>
+                <a:spcPts val="600"/>
+              </a:spcAft>
+            </a:pPr>
+            <a:endParaRPr lang="de-DE" sz="1600" b="1" dirty="0"/>
+          </a:p>
+          <a:p>
+            <a:pPr marL="0" indent="0">
+              <a:spcAft>
+                <a:spcPts val="600"/>
+              </a:spcAft>
+              <a:buNone/>
+            </a:pPr>
+            <a:endParaRPr lang="de-DE" sz="1600" b="1" dirty="0"/>
+          </a:p>
+          <a:p>
+            <a:pPr>
+              <a:spcAft>
+                <a:spcPts val="600"/>
+              </a:spcAft>
+            </a:pPr>
+            <a:r>
+              <a:rPr lang="de-DE" sz="1600" b="1" dirty="0"/>
               <a:t>Identifikation/Wahl der relevanten Features und des Targets</a:t>
             </a:r>
           </a:p>
           <a:p>
-            <a:pPr marL="342900" indent="-342900"/>
-            <a:r>
-              <a:rPr lang="de-DE" sz="1400" b="1" dirty="0"/>
+            <a:pPr>
+              <a:spcAft>
+                <a:spcPts val="600"/>
+              </a:spcAft>
+            </a:pPr>
+            <a:r>
+              <a:rPr lang="de-DE" sz="1600" b="1" dirty="0"/>
               <a:t>Hypothese: </a:t>
             </a:r>
             <a:r>
-              <a:rPr lang="de-DE" sz="1400" dirty="0"/>
+              <a:rPr lang="de-DE" sz="1600" dirty="0"/>
               <a:t>Diese Features kann Company X beeinflussen:</a:t>
             </a:r>
           </a:p>
           <a:p>
-            <a:pPr marL="800100" lvl="1" indent="-342900"/>
-            <a:r>
-              <a:rPr lang="de-DE" sz="1400" dirty="0"/>
+            <a:pPr marL="800100" lvl="1" indent="-342900">
+              <a:spcAft>
+                <a:spcPts val="600"/>
+              </a:spcAft>
+            </a:pPr>
+            <a:r>
+              <a:rPr lang="de-DE" sz="1600" dirty="0"/>
               <a:t>„</a:t>
             </a:r>
             <a:r>
-              <a:rPr lang="de-DE" sz="1400" dirty="0" err="1"/>
+              <a:rPr lang="de-DE" sz="1600" dirty="0" err="1"/>
               <a:t>banner</a:t>
             </a:r>
             <a:r>
-              <a:rPr lang="de-DE" sz="1400" dirty="0"/>
+              <a:rPr lang="de-DE" sz="1600" dirty="0"/>
               <a:t>“ =&gt; Die Wahl der Werbeformate</a:t>
             </a:r>
           </a:p>
           <a:p>
-            <a:pPr marL="800100" lvl="1" indent="-342900"/>
-            <a:r>
-              <a:rPr lang="de-DE" sz="1400" dirty="0"/>
+            <a:pPr marL="800100" lvl="1" indent="-342900">
+              <a:spcAft>
+                <a:spcPts val="600"/>
+              </a:spcAft>
+            </a:pPr>
+            <a:r>
+              <a:rPr lang="de-DE" sz="1600" dirty="0"/>
               <a:t>„</a:t>
             </a:r>
             <a:r>
-              <a:rPr lang="de-DE" sz="1400" dirty="0" err="1"/>
+              <a:rPr lang="de-DE" sz="1600" dirty="0" err="1"/>
               <a:t>placement</a:t>
             </a:r>
             <a:r>
-              <a:rPr lang="de-DE" sz="1400" dirty="0"/>
+              <a:rPr lang="de-DE" sz="1600" dirty="0"/>
               <a:t>“ =&gt; Die Wahl der Werbeplatzierungen</a:t>
             </a:r>
           </a:p>
           <a:p>
-            <a:pPr marL="800100" lvl="1" indent="-342900"/>
-            <a:r>
-              <a:rPr lang="de-DE" sz="1400" dirty="0"/>
+            <a:pPr marL="800100" lvl="1" indent="-342900">
+              <a:spcAft>
+                <a:spcPts val="600"/>
+              </a:spcAft>
+            </a:pPr>
+            <a:r>
+              <a:rPr lang="de-DE" sz="1600" dirty="0"/>
               <a:t>„</a:t>
             </a:r>
             <a:r>
-              <a:rPr lang="de-DE" sz="1400" dirty="0" err="1"/>
+              <a:rPr lang="de-DE" sz="1600" dirty="0" err="1"/>
               <a:t>revenue</a:t>
             </a:r>
             <a:r>
-              <a:rPr lang="de-DE" sz="1400" dirty="0"/>
+              <a:rPr lang="de-DE" sz="1600" dirty="0"/>
               <a:t>“ =&gt; Die Höhe der Werbeausgaben / des Kampagnen-Budgets</a:t>
             </a:r>
           </a:p>
           <a:p>
-            <a:pPr marL="342900" indent="-342900"/>
-            <a:r>
-              <a:rPr lang="de-DE" sz="1400" b="1" dirty="0"/>
+            <a:pPr marL="342900" indent="-342900">
+              <a:spcAft>
+                <a:spcPts val="600"/>
+              </a:spcAft>
+            </a:pPr>
+            <a:r>
+              <a:rPr lang="de-DE" sz="1600" b="1" dirty="0"/>
               <a:t>Target, dass wir optimieren wollen: </a:t>
             </a:r>
             <a:r>
-              <a:rPr lang="de-DE" sz="1400" dirty="0"/>
+              <a:rPr lang="de-DE" sz="1600" dirty="0"/>
               <a:t>„</a:t>
             </a:r>
             <a:r>
-              <a:rPr lang="de-DE" sz="1400" dirty="0" err="1"/>
+              <a:rPr lang="de-DE" sz="1600" dirty="0" err="1"/>
               <a:t>post_click_sales_amount</a:t>
             </a:r>
             <a:r>
-              <a:rPr lang="de-DE" sz="1400" dirty="0"/>
+              <a:rPr lang="de-DE" sz="1600" dirty="0"/>
               <a:t>“ =&gt; Generierter Umsatz</a:t>
             </a:r>
           </a:p>
@@ -26355,7 +27161,7 @@
         </p:blipFill>
         <p:spPr>
           <a:xfrm>
-            <a:off x="99080" y="2428501"/>
+            <a:off x="99080" y="2464713"/>
             <a:ext cx="11968966" cy="1727037"/>
           </a:xfrm>
           <a:prstGeom prst="rect">
@@ -26550,12 +27356,7 @@
             <p:ph type="title"/>
           </p:nvPr>
         </p:nvSpPr>
-        <p:spPr>
-          <a:xfrm>
-            <a:off x="762001" y="896112"/>
-            <a:ext cx="6589150" cy="1548324"/>
-          </a:xfrm>
-        </p:spPr>
+        <p:spPr/>
         <p:txBody>
           <a:bodyPr>
             <a:normAutofit/>
@@ -26572,10 +27373,7 @@
             <a:r>
               <a:rPr lang="de-DE" sz="2200" dirty="0">
                 <a:solidFill>
-                  <a:schemeClr val="accent4">
-                    <a:lumMod val="20000"/>
-                    <a:lumOff val="80000"/>
-                  </a:schemeClr>
+                  <a:schemeClr val="accent4"/>
                 </a:solidFill>
               </a:rPr>
               <a:t>- </a:t>
@@ -26583,10 +27381,7 @@
             <a:r>
               <a:rPr lang="de-DE" sz="2200" dirty="0" err="1">
                 <a:solidFill>
-                  <a:schemeClr val="accent4">
-                    <a:lumMod val="20000"/>
-                    <a:lumOff val="80000"/>
-                  </a:schemeClr>
+                  <a:schemeClr val="accent4"/>
                 </a:solidFill>
               </a:rPr>
               <a:t>Preprocessing</a:t>
@@ -26594,10 +27389,7 @@
             <a:r>
               <a:rPr lang="de-DE" sz="2200" dirty="0">
                 <a:solidFill>
-                  <a:schemeClr val="accent4">
-                    <a:lumMod val="20000"/>
-                    <a:lumOff val="80000"/>
-                  </a:schemeClr>
+                  <a:schemeClr val="accent4"/>
                 </a:solidFill>
               </a:rPr>
               <a:t> und Visualisierung</a:t>
@@ -26654,133 +27446,234 @@
         </p:nvSpPr>
         <p:spPr>
           <a:xfrm>
-            <a:off x="762001" y="2091350"/>
-            <a:ext cx="7214102" cy="4436198"/>
+            <a:off x="771734" y="2091350"/>
+            <a:ext cx="9920409" cy="4336610"/>
           </a:xfrm>
         </p:spPr>
         <p:txBody>
           <a:bodyPr>
-            <a:normAutofit/>
+            <a:noAutofit/>
           </a:bodyPr>
           <a:lstStyle/>
           <a:p>
-            <a:endParaRPr lang="de-DE" sz="2200" b="1" dirty="0"/>
-          </a:p>
-          <a:p>
-            <a:r>
-              <a:rPr lang="de-DE" sz="2200" b="1" dirty="0"/>
-              <a:t>Data </a:t>
-            </a:r>
-            <a:r>
-              <a:rPr lang="de-DE" sz="2200" b="1" dirty="0" err="1"/>
-              <a:t>Preprocessing</a:t>
-            </a:r>
-            <a:r>
-              <a:rPr lang="de-DE" sz="2200" b="1" dirty="0"/>
-              <a:t> mit Python</a:t>
-            </a:r>
-          </a:p>
-          <a:p>
-            <a:pPr marL="342900" indent="-342900">
+            <a:pPr marL="285750" indent="-285750">
+              <a:lnSpc>
+                <a:spcPct val="120000"/>
+              </a:lnSpc>
+              <a:spcAft>
+                <a:spcPts val="600"/>
+              </a:spcAft>
               <a:buFont typeface="Arial" panose="020B0604020202020204" pitchFamily="34" charset="0"/>
               <a:buChar char="•"/>
             </a:pPr>
             <a:r>
-              <a:rPr lang="de-DE" sz="2200" dirty="0"/>
+              <a:rPr lang="de-DE" sz="1700" b="1" dirty="0"/>
+              <a:t>Data </a:t>
+            </a:r>
+            <a:r>
+              <a:rPr lang="de-DE" sz="1700" b="1" dirty="0" err="1"/>
+              <a:t>Preprocessing</a:t>
+            </a:r>
+            <a:r>
+              <a:rPr lang="de-DE" sz="1700" b="1" dirty="0"/>
+              <a:t> mit Python</a:t>
+            </a:r>
+          </a:p>
+          <a:p>
+            <a:pPr marL="800100" lvl="1" indent="-342900">
+              <a:lnSpc>
+                <a:spcPct val="120000"/>
+              </a:lnSpc>
+              <a:spcAft>
+                <a:spcPts val="600"/>
+              </a:spcAft>
+            </a:pPr>
+            <a:r>
+              <a:rPr lang="de-DE" sz="1700" dirty="0"/>
               <a:t>Entfernen fehlender Werte</a:t>
             </a:r>
           </a:p>
           <a:p>
-            <a:pPr marL="342900" indent="-342900">
+            <a:pPr marL="800100" lvl="1" indent="-342900">
+              <a:lnSpc>
+                <a:spcPct val="120000"/>
+              </a:lnSpc>
+              <a:spcAft>
+                <a:spcPts val="600"/>
+              </a:spcAft>
+            </a:pPr>
+            <a:r>
+              <a:rPr lang="de-DE" sz="1700" dirty="0"/>
+              <a:t>Umbenennen von Spalten</a:t>
+            </a:r>
+          </a:p>
+          <a:p>
+            <a:pPr marL="800100" lvl="1" indent="-342900">
+              <a:lnSpc>
+                <a:spcPct val="120000"/>
+              </a:lnSpc>
+              <a:spcAft>
+                <a:spcPts val="600"/>
+              </a:spcAft>
+            </a:pPr>
+            <a:r>
+              <a:rPr lang="de-DE" sz="1700" dirty="0"/>
+              <a:t>Dummy-Kodierung von kategorialen Variablen („</a:t>
+            </a:r>
+            <a:r>
+              <a:rPr lang="de-DE" sz="1700" dirty="0" err="1"/>
+              <a:t>banner</a:t>
+            </a:r>
+            <a:r>
+              <a:rPr lang="de-DE" sz="1700" dirty="0"/>
+              <a:t>“ und „</a:t>
+            </a:r>
+            <a:r>
+              <a:rPr lang="de-DE" sz="1700" dirty="0" err="1"/>
+              <a:t>placement</a:t>
+            </a:r>
+            <a:r>
+              <a:rPr lang="de-DE" sz="1700" dirty="0"/>
+              <a:t>“)</a:t>
+            </a:r>
+            <a:endParaRPr lang="de-DE" sz="1700" b="1" dirty="0"/>
+          </a:p>
+          <a:p>
+            <a:pPr marL="285750" indent="-285750">
+              <a:lnSpc>
+                <a:spcPct val="120000"/>
+              </a:lnSpc>
+              <a:spcAft>
+                <a:spcPts val="600"/>
+              </a:spcAft>
               <a:buFont typeface="Arial" panose="020B0604020202020204" pitchFamily="34" charset="0"/>
               <a:buChar char="•"/>
             </a:pPr>
             <a:r>
-              <a:rPr lang="de-DE" sz="2200" dirty="0"/>
-              <a:t>Umbenennen von Spalten</a:t>
-            </a:r>
-          </a:p>
-          <a:p>
-            <a:pPr marL="342900" indent="-342900">
+              <a:rPr lang="de-DE" sz="1700" b="1" dirty="0"/>
+              <a:t>Data </a:t>
+            </a:r>
+            <a:r>
+              <a:rPr lang="de-DE" sz="1700" b="1" dirty="0" err="1"/>
+              <a:t>Preprocessing</a:t>
+            </a:r>
+            <a:r>
+              <a:rPr lang="de-DE" sz="1700" b="1" dirty="0"/>
+              <a:t> in Tableau</a:t>
+            </a:r>
+          </a:p>
+          <a:p>
+            <a:pPr marL="800100" lvl="1" indent="-342900">
+              <a:lnSpc>
+                <a:spcPct val="120000"/>
+              </a:lnSpc>
+              <a:spcAft>
+                <a:spcPts val="600"/>
+              </a:spcAft>
+            </a:pPr>
+            <a:r>
+              <a:rPr lang="de-DE" sz="1700" dirty="0"/>
+              <a:t>Berechnen zusätzlicher Key </a:t>
+            </a:r>
+            <a:r>
+              <a:rPr lang="de-DE" sz="1700" dirty="0" err="1"/>
+              <a:t>Metrics</a:t>
+            </a:r>
+            <a:r>
+              <a:rPr lang="de-DE" sz="1700" dirty="0"/>
+              <a:t> über „Berechnetes Feld“ </a:t>
+            </a:r>
+          </a:p>
+          <a:p>
+            <a:pPr>
+              <a:lnSpc>
+                <a:spcPct val="120000"/>
+              </a:lnSpc>
+              <a:spcAft>
+                <a:spcPts val="600"/>
+              </a:spcAft>
+            </a:pPr>
+            <a:r>
+              <a:rPr lang="de-DE" sz="1700" dirty="0"/>
+              <a:t>	=&gt; CPM, CPC, CTR, CR und ROAS</a:t>
+            </a:r>
+          </a:p>
+          <a:p>
+            <a:pPr marL="285750" indent="-285750">
+              <a:lnSpc>
+                <a:spcPct val="120000"/>
+              </a:lnSpc>
+              <a:spcAft>
+                <a:spcPts val="600"/>
+              </a:spcAft>
               <a:buFont typeface="Arial" panose="020B0604020202020204" pitchFamily="34" charset="0"/>
               <a:buChar char="•"/>
             </a:pPr>
             <a:r>
-              <a:rPr lang="de-DE" sz="2200" dirty="0"/>
-              <a:t>Dummy-Kodierung von kategorialen Variablen („</a:t>
-            </a:r>
-            <a:r>
-              <a:rPr lang="de-DE" sz="2200" dirty="0" err="1"/>
-              <a:t>banner</a:t>
-            </a:r>
-            <a:r>
-              <a:rPr lang="de-DE" sz="2200" dirty="0"/>
-              <a:t>“ und „</a:t>
-            </a:r>
-            <a:r>
-              <a:rPr lang="de-DE" sz="2200" dirty="0" err="1"/>
-              <a:t>placement</a:t>
-            </a:r>
-            <a:r>
-              <a:rPr lang="de-DE" sz="2200" dirty="0"/>
-              <a:t>“)</a:t>
-            </a:r>
-            <a:endParaRPr lang="de-DE" sz="2200" b="1" dirty="0"/>
-          </a:p>
-          <a:p>
-            <a:r>
-              <a:rPr lang="de-DE" sz="2200" b="1" dirty="0"/>
-              <a:t>Data </a:t>
-            </a:r>
-            <a:r>
-              <a:rPr lang="de-DE" sz="2200" b="1" dirty="0" err="1"/>
-              <a:t>Preprocessing</a:t>
-            </a:r>
-            <a:r>
-              <a:rPr lang="de-DE" sz="2200" b="1" dirty="0"/>
-              <a:t> in Tableau</a:t>
-            </a:r>
-          </a:p>
-          <a:p>
-            <a:pPr marL="342900" indent="-342900">
-              <a:buFont typeface="Arial" panose="020B0604020202020204" pitchFamily="34" charset="0"/>
-              <a:buChar char="•"/>
+              <a:rPr lang="de-DE" sz="1700" b="1" dirty="0"/>
+              <a:t>Visualisierung der Ergebnisse in Tableau über Dashboards in Data-Story</a:t>
+            </a:r>
+          </a:p>
+          <a:p>
+            <a:pPr marL="742950" lvl="1" indent="-285750">
+              <a:lnSpc>
+                <a:spcPct val="120000"/>
+              </a:lnSpc>
+              <a:spcAft>
+                <a:spcPts val="600"/>
+              </a:spcAft>
             </a:pPr>
             <a:r>
-              <a:rPr lang="de-DE" sz="2200" dirty="0"/>
-              <a:t>Berechnen zusätzlicher Key </a:t>
-            </a:r>
-            <a:r>
-              <a:rPr lang="de-DE" sz="2200" dirty="0" err="1"/>
+              <a:rPr lang="de-DE" sz="1700" dirty="0"/>
+              <a:t>Key </a:t>
+            </a:r>
+            <a:r>
+              <a:rPr lang="de-DE" sz="1700" dirty="0" err="1"/>
               <a:t>Metrics</a:t>
             </a:r>
             <a:r>
-              <a:rPr lang="de-DE" sz="2200" dirty="0"/>
-              <a:t> (CPM, CPC, CTR, CR und ROAS</a:t>
-            </a:r>
-          </a:p>
-          <a:p>
-            <a:r>
-              <a:rPr lang="de-DE" sz="2200" b="1" dirty="0"/>
-              <a:t>Visualisierung der Ergebnisse in Tableau</a:t>
-            </a:r>
+              <a:rPr lang="de-DE" sz="1700" dirty="0"/>
+              <a:t> total und pro Kampagne</a:t>
+            </a:r>
+          </a:p>
+          <a:p>
+            <a:pPr marL="742950" lvl="1" indent="-285750">
+              <a:lnSpc>
+                <a:spcPct val="120000"/>
+              </a:lnSpc>
+              <a:spcAft>
+                <a:spcPts val="600"/>
+              </a:spcAft>
+            </a:pPr>
+            <a:r>
+              <a:rPr lang="de-DE" sz="1700" dirty="0"/>
+              <a:t>Korrelationen</a:t>
+            </a:r>
+          </a:p>
+          <a:p>
+            <a:pPr>
+              <a:lnSpc>
+                <a:spcPct val="120000"/>
+              </a:lnSpc>
+            </a:pPr>
+            <a:endParaRPr lang="de-DE" sz="1400" b="1" dirty="0"/>
           </a:p>
           <a:p>
             <a:pPr lvl="1" indent="0">
               <a:buNone/>
             </a:pPr>
-            <a:endParaRPr lang="de-DE" sz="3400" dirty="0"/>
+            <a:endParaRPr lang="de-DE" sz="1400" dirty="0"/>
           </a:p>
           <a:p>
             <a:pPr marL="800100" lvl="1" indent="-342900"/>
-            <a:endParaRPr lang="de-DE" sz="2000" b="1" dirty="0"/>
+            <a:endParaRPr lang="de-DE" sz="1400" b="1" dirty="0"/>
           </a:p>
         </p:txBody>
       </p:sp>
     </p:spTree>
     <p:extLst>
       <p:ext uri="{BB962C8B-B14F-4D97-AF65-F5344CB8AC3E}">
-        <p14:creationId xmlns:p14="http://schemas.microsoft.com/office/powerpoint/2010/main" val="713566345"/>
+        <p14:creationId xmlns:p14="http://schemas.microsoft.com/office/powerpoint/2010/main" val="478553126"/>
       </p:ext>
     </p:extLst>
   </p:cSld>
@@ -26791,261 +27684,6 @@
 </file>
 
 <file path=ppt/slides/slide8.xml><?xml version="1.0" encoding="utf-8"?>
-<p:sld xmlns:a="http://schemas.openxmlformats.org/drawingml/2006/main" xmlns:r="http://schemas.openxmlformats.org/officeDocument/2006/relationships" xmlns:p="http://schemas.openxmlformats.org/presentationml/2006/main">
-  <p:cSld>
-    <p:spTree>
-      <p:nvGrpSpPr>
-        <p:cNvPr id="1" name=""/>
-        <p:cNvGrpSpPr/>
-        <p:nvPr/>
-      </p:nvGrpSpPr>
-      <p:grpSpPr>
-        <a:xfrm>
-          <a:off x="0" y="0"/>
-          <a:ext cx="0" cy="0"/>
-          <a:chOff x="0" y="0"/>
-          <a:chExt cx="0" cy="0"/>
-        </a:xfrm>
-      </p:grpSpPr>
-      <p:sp>
-        <p:nvSpPr>
-          <p:cNvPr id="2" name="Titel 1">
-            <a:extLst>
-              <a:ext uri="{FF2B5EF4-FFF2-40B4-BE49-F238E27FC236}">
-                <a16:creationId xmlns:a16="http://schemas.microsoft.com/office/drawing/2014/main" id="{D02B9D53-E309-80B9-1151-C243452A6E9E}"/>
-              </a:ext>
-            </a:extLst>
-          </p:cNvPr>
-          <p:cNvSpPr>
-            <a:spLocks noGrp="1"/>
-          </p:cNvSpPr>
-          <p:nvPr>
-            <p:ph type="title"/>
-          </p:nvPr>
-        </p:nvSpPr>
-        <p:spPr/>
-        <p:txBody>
-          <a:bodyPr>
-            <a:normAutofit/>
-          </a:bodyPr>
-          <a:lstStyle/>
-          <a:p>
-            <a:r>
-              <a:rPr lang="de-DE" dirty="0"/>
-              <a:t>Visualisierung in Tableau</a:t>
-            </a:r>
-          </a:p>
-        </p:txBody>
-      </p:sp>
-      <p:sp>
-        <p:nvSpPr>
-          <p:cNvPr id="3" name="Foliennummernplatzhalter 2">
-            <a:extLst>
-              <a:ext uri="{FF2B5EF4-FFF2-40B4-BE49-F238E27FC236}">
-                <a16:creationId xmlns:a16="http://schemas.microsoft.com/office/drawing/2014/main" id="{BFB3E30A-35B4-E8F2-CFA6-D67AE056DD58}"/>
-              </a:ext>
-            </a:extLst>
-          </p:cNvPr>
-          <p:cNvSpPr>
-            <a:spLocks noGrp="1"/>
-          </p:cNvSpPr>
-          <p:nvPr>
-            <p:ph type="sldNum" sz="quarter" idx="12"/>
-          </p:nvPr>
-        </p:nvSpPr>
-        <p:spPr/>
-        <p:txBody>
-          <a:bodyPr/>
-          <a:lstStyle/>
-          <a:p>
-            <a:pPr rtl="0"/>
-            <a:fld id="{B5CEABB6-07DC-46E8-9B57-56EC44A396E5}" type="slidenum">
-              <a:rPr lang="de-DE" smtClean="0"/>
-              <a:pPr rtl="0"/>
-              <a:t>8</a:t>
-            </a:fld>
-            <a:endParaRPr lang="de-DE" dirty="0"/>
-          </a:p>
-        </p:txBody>
-      </p:sp>
-      <p:sp>
-        <p:nvSpPr>
-          <p:cNvPr id="4" name="Inhaltsplatzhalter 3">
-            <a:extLst>
-              <a:ext uri="{FF2B5EF4-FFF2-40B4-BE49-F238E27FC236}">
-                <a16:creationId xmlns:a16="http://schemas.microsoft.com/office/drawing/2014/main" id="{F1F6840D-ECFE-316F-866D-5D08079625F6}"/>
-              </a:ext>
-            </a:extLst>
-          </p:cNvPr>
-          <p:cNvSpPr>
-            <a:spLocks noGrp="1"/>
-          </p:cNvSpPr>
-          <p:nvPr>
-            <p:ph sz="half" idx="14"/>
-          </p:nvPr>
-        </p:nvSpPr>
-        <p:spPr>
-          <a:xfrm>
-            <a:off x="771734" y="1865014"/>
-            <a:ext cx="8942634" cy="4363770"/>
-          </a:xfrm>
-        </p:spPr>
-        <p:txBody>
-          <a:bodyPr>
-            <a:noAutofit/>
-          </a:bodyPr>
-          <a:lstStyle/>
-          <a:p>
-            <a:pPr marL="285750" indent="-285750">
-              <a:buFont typeface="Arial" panose="020B0604020202020204" pitchFamily="34" charset="0"/>
-              <a:buChar char="•"/>
-            </a:pPr>
-            <a:r>
-              <a:rPr lang="de-DE" sz="1600" b="1" dirty="0"/>
-              <a:t>Generierung nützlicher Key-</a:t>
-            </a:r>
-            <a:r>
-              <a:rPr lang="de-DE" sz="1600" b="1" dirty="0" err="1"/>
-              <a:t>Metrics</a:t>
-            </a:r>
-            <a:r>
-              <a:rPr lang="de-DE" sz="1600" b="1" dirty="0"/>
-              <a:t> </a:t>
-            </a:r>
-            <a:r>
-              <a:rPr lang="de-DE" sz="1600" dirty="0"/>
-              <a:t>(Berechnetes Feld)</a:t>
-            </a:r>
-          </a:p>
-          <a:p>
-            <a:pPr marL="742950" lvl="1" indent="-285750"/>
-            <a:r>
-              <a:rPr lang="de-DE" sz="1600" dirty="0"/>
-              <a:t>CPM (</a:t>
-            </a:r>
-            <a:r>
-              <a:rPr lang="de-DE" sz="1600" dirty="0" err="1"/>
-              <a:t>Cost</a:t>
-            </a:r>
-            <a:r>
-              <a:rPr lang="de-DE" sz="1600" dirty="0"/>
-              <a:t>-per-Mille)</a:t>
-            </a:r>
-          </a:p>
-          <a:p>
-            <a:pPr marL="742950" lvl="1" indent="-285750"/>
-            <a:r>
-              <a:rPr lang="de-DE" sz="1600" dirty="0"/>
-              <a:t>CPC (</a:t>
-            </a:r>
-            <a:r>
-              <a:rPr lang="de-DE" sz="1600" dirty="0" err="1"/>
-              <a:t>Cost</a:t>
-            </a:r>
-            <a:r>
-              <a:rPr lang="de-DE" sz="1600" dirty="0"/>
-              <a:t>-per-Click)</a:t>
-            </a:r>
-          </a:p>
-          <a:p>
-            <a:pPr marL="742950" lvl="1" indent="-285750"/>
-            <a:r>
-              <a:rPr lang="de-DE" sz="1600" dirty="0"/>
-              <a:t>CTR (Click-Through-Rate)</a:t>
-            </a:r>
-          </a:p>
-          <a:p>
-            <a:pPr marL="742950" lvl="1" indent="-285750"/>
-            <a:r>
-              <a:rPr lang="de-DE" sz="1600" dirty="0"/>
-              <a:t>CR (</a:t>
-            </a:r>
-            <a:r>
-              <a:rPr lang="de-DE" sz="1600" dirty="0" err="1"/>
-              <a:t>Conversion</a:t>
-            </a:r>
-            <a:r>
-              <a:rPr lang="de-DE" sz="1600" dirty="0"/>
-              <a:t>-Rate)</a:t>
-            </a:r>
-          </a:p>
-          <a:p>
-            <a:pPr marL="742950" lvl="1" indent="-285750"/>
-            <a:r>
-              <a:rPr lang="de-DE" sz="1600" dirty="0"/>
-              <a:t>ROAS (Return on Ad </a:t>
-            </a:r>
-            <a:r>
-              <a:rPr lang="de-DE" sz="1600" dirty="0" err="1"/>
-              <a:t>Spend</a:t>
-            </a:r>
-            <a:r>
-              <a:rPr lang="de-DE" sz="1600" dirty="0"/>
-              <a:t>)</a:t>
-            </a:r>
-          </a:p>
-          <a:p>
-            <a:pPr marL="285750" indent="-285750">
-              <a:buFont typeface="Arial" panose="020B0604020202020204" pitchFamily="34" charset="0"/>
-              <a:buChar char="•"/>
-            </a:pPr>
-            <a:r>
-              <a:rPr lang="de-DE" sz="1600" b="1" dirty="0"/>
-              <a:t>Visualisierung über Dashboards in Data-Story:</a:t>
-            </a:r>
-          </a:p>
-          <a:p>
-            <a:pPr marL="742950" lvl="1" indent="-285750"/>
-            <a:r>
-              <a:rPr lang="de-DE" sz="1600" dirty="0"/>
-              <a:t>Key </a:t>
-            </a:r>
-            <a:r>
-              <a:rPr lang="de-DE" sz="1600" dirty="0" err="1"/>
-              <a:t>Metrics</a:t>
-            </a:r>
-            <a:r>
-              <a:rPr lang="de-DE" sz="1600" dirty="0"/>
-              <a:t> total und pro Kampagne</a:t>
-            </a:r>
-          </a:p>
-          <a:p>
-            <a:pPr marL="742950" lvl="1" indent="-285750"/>
-            <a:r>
-              <a:rPr lang="de-DE" sz="1600" dirty="0"/>
-              <a:t>Korrelationen</a:t>
-            </a:r>
-          </a:p>
-          <a:p>
-            <a:pPr marL="742950" lvl="1" indent="-285750"/>
-            <a:endParaRPr lang="de-DE" sz="1600" b="1" dirty="0"/>
-          </a:p>
-          <a:p>
-            <a:endParaRPr lang="de-DE" sz="1600" dirty="0"/>
-          </a:p>
-          <a:p>
-            <a:pPr marL="285750" indent="-285750">
-              <a:buFont typeface="Arial" panose="020B0604020202020204" pitchFamily="34" charset="0"/>
-              <a:buChar char="•"/>
-            </a:pPr>
-            <a:endParaRPr lang="de-DE" sz="1600" dirty="0"/>
-          </a:p>
-        </p:txBody>
-      </p:sp>
-    </p:spTree>
-    <p:extLst>
-      <p:ext uri="{BB962C8B-B14F-4D97-AF65-F5344CB8AC3E}">
-        <p14:creationId xmlns:p14="http://schemas.microsoft.com/office/powerpoint/2010/main" val="1338508720"/>
-      </p:ext>
-    </p:extLst>
-  </p:cSld>
-  <p:clrMapOvr>
-    <a:masterClrMapping/>
-  </p:clrMapOvr>
-</p:sld>
-</file>
-
-<file path=ppt/slides/slide9.xml><?xml version="1.0" encoding="utf-8"?>
 <p:sld xmlns:a="http://schemas.openxmlformats.org/drawingml/2006/main" xmlns:r="http://schemas.openxmlformats.org/officeDocument/2006/relationships" xmlns:p="http://schemas.openxmlformats.org/presentationml/2006/main">
   <p:cSld>
     <p:spTree>
@@ -27127,7 +27765,7 @@
             <a:fld id="{B5CEABB6-07DC-46E8-9B57-56EC44A396E5}" type="slidenum">
               <a:rPr lang="de-DE" smtClean="0"/>
               <a:pPr rtl="0"/>
-              <a:t>9</a:t>
+              <a:t>8</a:t>
             </a:fld>
             <a:endParaRPr lang="de-DE" dirty="0"/>
           </a:p>
@@ -27161,17 +27799,18 @@
           </a:bodyPr>
           <a:lstStyle/>
           <a:p>
-            <a:r>
-              <a:rPr lang="de-DE" sz="2200" b="1" dirty="0"/>
-              <a:t>Modell-Auswahl</a:t>
-            </a:r>
-          </a:p>
-          <a:p>
             <a:pPr marL="342900" indent="-342900">
               <a:buFont typeface="Arial" panose="020B0604020202020204" pitchFamily="34" charset="0"/>
               <a:buChar char="•"/>
             </a:pPr>
             <a:r>
+              <a:rPr lang="de-DE" sz="2200" b="1" dirty="0"/>
+              <a:t>Modell-Auswahl</a:t>
+            </a:r>
+          </a:p>
+          <a:p>
+            <a:pPr marL="800100" lvl="1" indent="-342900"/>
+            <a:r>
               <a:rPr lang="de-DE" sz="2200" dirty="0"/>
               <a:t>Target vorhanden =&gt; </a:t>
             </a:r>
@@ -27179,6 +27818,16 @@
               <a:rPr lang="de-DE" sz="2200" dirty="0" err="1"/>
               <a:t>Supervised</a:t>
             </a:r>
+            <a:endParaRPr lang="de-DE" sz="2200" dirty="0"/>
+          </a:p>
+          <a:p>
+            <a:pPr marL="800100" lvl="1" indent="-342900"/>
+            <a:r>
+              <a:rPr lang="de-DE" sz="2200" dirty="0"/>
+              <a:t>Target ist numerisch =&gt; Lineare Regression</a:t>
+            </a:r>
+          </a:p>
+          <a:p>
             <a:endParaRPr lang="de-DE" sz="2200" dirty="0"/>
           </a:p>
           <a:p>
@@ -27187,34 +27836,19 @@
               <a:buChar char="•"/>
             </a:pPr>
             <a:r>
-              <a:rPr lang="de-DE" sz="2200" dirty="0"/>
-              <a:t>Target ist numerisch =&gt; Lineare Regression</a:t>
-            </a:r>
-          </a:p>
-          <a:p>
-            <a:endParaRPr lang="de-DE" sz="2200" dirty="0"/>
-          </a:p>
-          <a:p>
-            <a:r>
               <a:rPr lang="de-DE" sz="2200" b="1" dirty="0"/>
               <a:t>Evaluation verschiedener Modelle</a:t>
             </a:r>
           </a:p>
           <a:p>
-            <a:pPr marL="342900" indent="-342900">
-              <a:buFont typeface="Arial" panose="020B0604020202020204" pitchFamily="34" charset="0"/>
-              <a:buChar char="•"/>
-            </a:pPr>
+            <a:pPr marL="800100" lvl="1" indent="-342900"/>
             <a:r>
               <a:rPr lang="de-DE" sz="2200" dirty="0"/>
               <a:t>„Normale“ Lineare Regression </a:t>
             </a:r>
           </a:p>
           <a:p>
-            <a:pPr marL="342900" indent="-342900">
-              <a:buFont typeface="Arial" panose="020B0604020202020204" pitchFamily="34" charset="0"/>
-              <a:buChar char="•"/>
-            </a:pPr>
+            <a:pPr marL="800100" lvl="1" indent="-342900"/>
             <a:r>
               <a:rPr lang="de-DE" sz="2200" dirty="0" err="1"/>
               <a:t>vs</a:t>
@@ -27233,10 +27867,7 @@
             </a:r>
           </a:p>
           <a:p>
-            <a:pPr marL="342900" indent="-342900">
-              <a:buFont typeface="Arial" panose="020B0604020202020204" pitchFamily="34" charset="0"/>
-              <a:buChar char="•"/>
-            </a:pPr>
+            <a:pPr marL="800100" lvl="1" indent="-342900"/>
             <a:r>
               <a:rPr lang="de-DE" sz="2200" dirty="0" err="1"/>
               <a:t>Decision</a:t>
@@ -27270,6 +27901,727 @@
   <p:clrMapOvr>
     <a:masterClrMapping/>
   </p:clrMapOvr>
+</p:sld>
+</file>
+
+<file path=ppt/slides/slide9.xml><?xml version="1.0" encoding="utf-8"?>
+<p:sld xmlns:a="http://schemas.openxmlformats.org/drawingml/2006/main" xmlns:r="http://schemas.openxmlformats.org/officeDocument/2006/relationships" xmlns:p="http://schemas.openxmlformats.org/presentationml/2006/main">
+  <p:cSld>
+    <p:spTree>
+      <p:nvGrpSpPr>
+        <p:cNvPr id="1" name=""/>
+        <p:cNvGrpSpPr/>
+        <p:nvPr/>
+      </p:nvGrpSpPr>
+      <p:grpSpPr>
+        <a:xfrm>
+          <a:off x="0" y="0"/>
+          <a:ext cx="0" cy="0"/>
+          <a:chOff x="0" y="0"/>
+          <a:chExt cx="0" cy="0"/>
+        </a:xfrm>
+      </p:grpSpPr>
+      <p:sp>
+        <p:nvSpPr>
+          <p:cNvPr id="2" name="Titel 1">
+            <a:extLst>
+              <a:ext uri="{FF2B5EF4-FFF2-40B4-BE49-F238E27FC236}">
+                <a16:creationId xmlns:a16="http://schemas.microsoft.com/office/drawing/2014/main" id="{F879C82F-979E-30B3-9D3B-9BEE2657BD80}"/>
+              </a:ext>
+            </a:extLst>
+          </p:cNvPr>
+          <p:cNvSpPr>
+            <a:spLocks noGrp="1"/>
+          </p:cNvSpPr>
+          <p:nvPr>
+            <p:ph type="title"/>
+          </p:nvPr>
+        </p:nvSpPr>
+        <p:spPr/>
+        <p:txBody>
+          <a:bodyPr>
+            <a:normAutofit/>
+          </a:bodyPr>
+          <a:lstStyle/>
+          <a:p>
+            <a:r>
+              <a:rPr lang="de-DE" dirty="0" err="1"/>
+              <a:t>Machine</a:t>
+            </a:r>
+            <a:r>
+              <a:rPr lang="de-DE" dirty="0"/>
+              <a:t> Learning</a:t>
+            </a:r>
+            <a:br>
+              <a:rPr lang="de-DE" dirty="0"/>
+            </a:br>
+            <a:r>
+              <a:rPr lang="de-DE" sz="2200" dirty="0">
+                <a:solidFill>
+                  <a:schemeClr val="accent4"/>
+                </a:solidFill>
+              </a:rPr>
+              <a:t>- Evaluation</a:t>
+            </a:r>
+            <a:br>
+              <a:rPr lang="de-DE" sz="1050" b="1" dirty="0"/>
+            </a:br>
+            <a:endParaRPr lang="de-DE" sz="2200" dirty="0">
+              <a:solidFill>
+                <a:schemeClr val="accent4"/>
+              </a:solidFill>
+            </a:endParaRPr>
+          </a:p>
+        </p:txBody>
+      </p:sp>
+      <p:sp>
+        <p:nvSpPr>
+          <p:cNvPr id="4" name="Foliennummernplatzhalter 3">
+            <a:extLst>
+              <a:ext uri="{FF2B5EF4-FFF2-40B4-BE49-F238E27FC236}">
+                <a16:creationId xmlns:a16="http://schemas.microsoft.com/office/drawing/2014/main" id="{721C5668-EA69-8221-6177-E429DF84193D}"/>
+              </a:ext>
+            </a:extLst>
+          </p:cNvPr>
+          <p:cNvSpPr>
+            <a:spLocks noGrp="1"/>
+          </p:cNvSpPr>
+          <p:nvPr>
+            <p:ph type="sldNum" sz="quarter" idx="12"/>
+          </p:nvPr>
+        </p:nvSpPr>
+        <p:spPr/>
+        <p:txBody>
+          <a:bodyPr/>
+          <a:lstStyle/>
+          <a:p>
+            <a:pPr rtl="0"/>
+            <a:fld id="{B5CEABB6-07DC-46E8-9B57-56EC44A396E5}" type="slidenum">
+              <a:rPr lang="de-DE" smtClean="0"/>
+              <a:pPr rtl="0"/>
+              <a:t>9</a:t>
+            </a:fld>
+            <a:endParaRPr lang="de-DE" dirty="0"/>
+          </a:p>
+        </p:txBody>
+      </p:sp>
+      <p:sp>
+        <p:nvSpPr>
+          <p:cNvPr id="10" name="Textplatzhalter 5">
+            <a:extLst>
+              <a:ext uri="{FF2B5EF4-FFF2-40B4-BE49-F238E27FC236}">
+                <a16:creationId xmlns:a16="http://schemas.microsoft.com/office/drawing/2014/main" id="{949AA242-254D-7706-2CD4-B41C8530B6A5}"/>
+              </a:ext>
+            </a:extLst>
+          </p:cNvPr>
+          <p:cNvSpPr txBox="1">
+            <a:spLocks/>
+          </p:cNvSpPr>
+          <p:nvPr/>
+        </p:nvSpPr>
+        <p:spPr>
+          <a:xfrm>
+            <a:off x="762000" y="2026471"/>
+            <a:ext cx="4135925" cy="4138940"/>
+          </a:xfrm>
+          <a:prstGeom prst="rect">
+            <a:avLst/>
+          </a:prstGeom>
+        </p:spPr>
+        <p:txBody>
+          <a:bodyPr vert="horz" lIns="91440" tIns="45720" rIns="91440" bIns="45720" rtlCol="0">
+            <a:normAutofit lnSpcReduction="10000"/>
+          </a:bodyPr>
+          <a:lstStyle>
+            <a:defPPr>
+              <a:defRPr lang="de-DE"/>
+            </a:defPPr>
+            <a:lvl1pPr marL="228600" indent="-228600" algn="l" defTabSz="914400" rtl="0" eaLnBrk="1" latinLnBrk="0" hangingPunct="1">
+              <a:lnSpc>
+                <a:spcPct val="100000"/>
+              </a:lnSpc>
+              <a:spcBef>
+                <a:spcPts val="0"/>
+              </a:spcBef>
+              <a:spcAft>
+                <a:spcPts val="1200"/>
+              </a:spcAft>
+              <a:buFont typeface="Arial" panose="020B0604020202020204" pitchFamily="34" charset="0"/>
+              <a:buChar char="•"/>
+              <a:defRPr lang="de-DE" sz="2800" kern="1200">
+                <a:solidFill>
+                  <a:schemeClr val="tx1"/>
+                </a:solidFill>
+                <a:latin typeface="+mn-lt"/>
+                <a:ea typeface="+mn-ea"/>
+                <a:cs typeface="+mn-cs"/>
+              </a:defRPr>
+            </a:lvl1pPr>
+            <a:lvl2pPr marL="685800" indent="-228600" algn="l" defTabSz="914400" rtl="0" eaLnBrk="1" latinLnBrk="0" hangingPunct="1">
+              <a:lnSpc>
+                <a:spcPct val="100000"/>
+              </a:lnSpc>
+              <a:spcBef>
+                <a:spcPts val="0"/>
+              </a:spcBef>
+              <a:spcAft>
+                <a:spcPts val="1200"/>
+              </a:spcAft>
+              <a:buFont typeface="Arial" panose="020B0604020202020204" pitchFamily="34" charset="0"/>
+              <a:buChar char="•"/>
+              <a:defRPr lang="de-DE" sz="2400" kern="1200">
+                <a:solidFill>
+                  <a:schemeClr val="tx1"/>
+                </a:solidFill>
+                <a:latin typeface="+mn-lt"/>
+                <a:ea typeface="+mn-ea"/>
+                <a:cs typeface="+mn-cs"/>
+              </a:defRPr>
+            </a:lvl2pPr>
+            <a:lvl3pPr marL="1143000" indent="-228600" algn="l" defTabSz="914400" rtl="0" eaLnBrk="1" latinLnBrk="0" hangingPunct="1">
+              <a:lnSpc>
+                <a:spcPct val="100000"/>
+              </a:lnSpc>
+              <a:spcBef>
+                <a:spcPts val="0"/>
+              </a:spcBef>
+              <a:spcAft>
+                <a:spcPts val="1200"/>
+              </a:spcAft>
+              <a:buFont typeface="Arial" panose="020B0604020202020204" pitchFamily="34" charset="0"/>
+              <a:buChar char="•"/>
+              <a:defRPr lang="de-DE" sz="2000" kern="1200">
+                <a:solidFill>
+                  <a:schemeClr val="tx1"/>
+                </a:solidFill>
+                <a:latin typeface="+mn-lt"/>
+                <a:ea typeface="+mn-ea"/>
+                <a:cs typeface="+mn-cs"/>
+              </a:defRPr>
+            </a:lvl3pPr>
+            <a:lvl4pPr marL="1600200" indent="-228600" algn="l" defTabSz="914400" rtl="0" eaLnBrk="1" latinLnBrk="0" hangingPunct="1">
+              <a:lnSpc>
+                <a:spcPct val="100000"/>
+              </a:lnSpc>
+              <a:spcBef>
+                <a:spcPts val="0"/>
+              </a:spcBef>
+              <a:spcAft>
+                <a:spcPts val="1200"/>
+              </a:spcAft>
+              <a:buFont typeface="Arial" panose="020B0604020202020204" pitchFamily="34" charset="0"/>
+              <a:buChar char="•"/>
+              <a:defRPr lang="de-DE" sz="1800" kern="1200">
+                <a:solidFill>
+                  <a:schemeClr val="tx1"/>
+                </a:solidFill>
+                <a:latin typeface="+mn-lt"/>
+                <a:ea typeface="+mn-ea"/>
+                <a:cs typeface="+mn-cs"/>
+              </a:defRPr>
+            </a:lvl4pPr>
+            <a:lvl5pPr marL="2057400" indent="-228600" algn="l" defTabSz="914400" rtl="0" eaLnBrk="1" latinLnBrk="0" hangingPunct="1">
+              <a:lnSpc>
+                <a:spcPct val="100000"/>
+              </a:lnSpc>
+              <a:spcBef>
+                <a:spcPts val="0"/>
+              </a:spcBef>
+              <a:spcAft>
+                <a:spcPts val="1200"/>
+              </a:spcAft>
+              <a:buFont typeface="Arial" panose="020B0604020202020204" pitchFamily="34" charset="0"/>
+              <a:buChar char="•"/>
+              <a:defRPr lang="de-DE" sz="1800" kern="1200">
+                <a:solidFill>
+                  <a:schemeClr val="tx1"/>
+                </a:solidFill>
+                <a:latin typeface="+mn-lt"/>
+                <a:ea typeface="+mn-ea"/>
+                <a:cs typeface="+mn-cs"/>
+              </a:defRPr>
+            </a:lvl5pPr>
+            <a:lvl6pPr marL="2514600" indent="-228600" algn="l" defTabSz="914400" rtl="0" eaLnBrk="1" latinLnBrk="0" hangingPunct="1">
+              <a:lnSpc>
+                <a:spcPct val="90000"/>
+              </a:lnSpc>
+              <a:spcBef>
+                <a:spcPts val="500"/>
+              </a:spcBef>
+              <a:buFont typeface="Arial" panose="020B0604020202020204" pitchFamily="34" charset="0"/>
+              <a:buChar char="•"/>
+              <a:defRPr lang="de-DE" sz="1800" kern="1200">
+                <a:solidFill>
+                  <a:schemeClr val="tx1"/>
+                </a:solidFill>
+                <a:latin typeface="+mn-lt"/>
+                <a:ea typeface="+mn-ea"/>
+                <a:cs typeface="+mn-cs"/>
+              </a:defRPr>
+            </a:lvl6pPr>
+            <a:lvl7pPr marL="2971800" indent="-228600" algn="l" defTabSz="914400" rtl="0" eaLnBrk="1" latinLnBrk="0" hangingPunct="1">
+              <a:lnSpc>
+                <a:spcPct val="90000"/>
+              </a:lnSpc>
+              <a:spcBef>
+                <a:spcPts val="500"/>
+              </a:spcBef>
+              <a:buFont typeface="Arial" panose="020B0604020202020204" pitchFamily="34" charset="0"/>
+              <a:buChar char="•"/>
+              <a:defRPr lang="de-DE" sz="1800" kern="1200">
+                <a:solidFill>
+                  <a:schemeClr val="tx1"/>
+                </a:solidFill>
+                <a:latin typeface="+mn-lt"/>
+                <a:ea typeface="+mn-ea"/>
+                <a:cs typeface="+mn-cs"/>
+              </a:defRPr>
+            </a:lvl7pPr>
+            <a:lvl8pPr marL="3429000" indent="-228600" algn="l" defTabSz="914400" rtl="0" eaLnBrk="1" latinLnBrk="0" hangingPunct="1">
+              <a:lnSpc>
+                <a:spcPct val="90000"/>
+              </a:lnSpc>
+              <a:spcBef>
+                <a:spcPts val="500"/>
+              </a:spcBef>
+              <a:buFont typeface="Arial" panose="020B0604020202020204" pitchFamily="34" charset="0"/>
+              <a:buChar char="•"/>
+              <a:defRPr lang="de-DE" sz="1800" kern="1200">
+                <a:solidFill>
+                  <a:schemeClr val="tx1"/>
+                </a:solidFill>
+                <a:latin typeface="+mn-lt"/>
+                <a:ea typeface="+mn-ea"/>
+                <a:cs typeface="+mn-cs"/>
+              </a:defRPr>
+            </a:lvl8pPr>
+            <a:lvl9pPr marL="3886200" indent="-228600" algn="l" defTabSz="914400" rtl="0" eaLnBrk="1" latinLnBrk="0" hangingPunct="1">
+              <a:lnSpc>
+                <a:spcPct val="90000"/>
+              </a:lnSpc>
+              <a:spcBef>
+                <a:spcPts val="500"/>
+              </a:spcBef>
+              <a:buFont typeface="Arial" panose="020B0604020202020204" pitchFamily="34" charset="0"/>
+              <a:buChar char="•"/>
+              <a:defRPr lang="de-DE" sz="1800" kern="1200">
+                <a:solidFill>
+                  <a:schemeClr val="tx1"/>
+                </a:solidFill>
+                <a:latin typeface="+mn-lt"/>
+                <a:ea typeface="+mn-ea"/>
+                <a:cs typeface="+mn-cs"/>
+              </a:defRPr>
+            </a:lvl9pPr>
+          </a:lstStyle>
+          <a:p>
+            <a:pPr marL="0" indent="0">
+              <a:buNone/>
+            </a:pPr>
+            <a:r>
+              <a:rPr lang="de-DE" sz="2800" b="1" dirty="0">
+                <a:solidFill>
+                  <a:schemeClr val="tx1"/>
+                </a:solidFill>
+              </a:rPr>
+              <a:t>Lineare Regression </a:t>
+            </a:r>
+          </a:p>
+          <a:p>
+            <a:r>
+              <a:rPr lang="de-DE" b="1" dirty="0"/>
+              <a:t>R²:</a:t>
+            </a:r>
+            <a:r>
+              <a:rPr lang="de-DE" dirty="0"/>
+              <a:t> Beim Testdatensatz werden 77% der Varianz erklärt.</a:t>
+            </a:r>
+          </a:p>
+          <a:p>
+            <a:r>
+              <a:rPr lang="de-DE" b="1" dirty="0"/>
+              <a:t>p-Wert: </a:t>
+            </a:r>
+            <a:r>
+              <a:rPr lang="de-DE" dirty="0"/>
+              <a:t>Ist mit 0,00 deutlich unter 0,05 =&gt; Nullhypothese ist widerlegt =&gt; Das Modell ist signifikant.</a:t>
+            </a:r>
+          </a:p>
+          <a:p>
+            <a:pPr marL="0" indent="0">
+              <a:buNone/>
+            </a:pPr>
+            <a:endParaRPr lang="de-DE" dirty="0"/>
+          </a:p>
+          <a:p>
+            <a:pPr marL="0" indent="0">
+              <a:buNone/>
+            </a:pPr>
+            <a:endParaRPr lang="de-DE" dirty="0"/>
+          </a:p>
+          <a:p>
+            <a:endParaRPr lang="de-DE" dirty="0"/>
+          </a:p>
+        </p:txBody>
+      </p:sp>
+      <p:pic>
+        <p:nvPicPr>
+          <p:cNvPr id="12" name="Grafik 11">
+            <a:extLst>
+              <a:ext uri="{FF2B5EF4-FFF2-40B4-BE49-F238E27FC236}">
+                <a16:creationId xmlns:a16="http://schemas.microsoft.com/office/drawing/2014/main" id="{C84D8F9B-F4C1-064A-2BE9-36E53AC936F2}"/>
+              </a:ext>
+            </a:extLst>
+          </p:cNvPr>
+          <p:cNvPicPr>
+            <a:picLocks noChangeAspect="1"/>
+          </p:cNvPicPr>
+          <p:nvPr/>
+        </p:nvPicPr>
+        <p:blipFill>
+          <a:blip r:embed="rId3"/>
+          <a:stretch>
+            <a:fillRect/>
+          </a:stretch>
+        </p:blipFill>
+        <p:spPr>
+          <a:xfrm>
+            <a:off x="5044278" y="2026470"/>
+            <a:ext cx="6628571" cy="3790476"/>
+          </a:xfrm>
+          <a:prstGeom prst="rect">
+            <a:avLst/>
+          </a:prstGeom>
+        </p:spPr>
+      </p:pic>
+      <p:cxnSp>
+        <p:nvCxnSpPr>
+          <p:cNvPr id="14" name="Gerade Verbindung mit Pfeil 13">
+            <a:extLst>
+              <a:ext uri="{FF2B5EF4-FFF2-40B4-BE49-F238E27FC236}">
+                <a16:creationId xmlns:a16="http://schemas.microsoft.com/office/drawing/2014/main" id="{9EFC4554-566D-1D4B-6567-49E838A623AB}"/>
+              </a:ext>
+            </a:extLst>
+          </p:cNvPr>
+          <p:cNvCxnSpPr>
+            <a:cxnSpLocks/>
+          </p:cNvCxnSpPr>
+          <p:nvPr/>
+        </p:nvCxnSpPr>
+        <p:spPr>
+          <a:xfrm>
+            <a:off x="4780230" y="2951430"/>
+            <a:ext cx="264048" cy="108641"/>
+          </a:xfrm>
+          <a:prstGeom prst="straightConnector1">
+            <a:avLst/>
+          </a:prstGeom>
+          <a:ln>
+            <a:tailEnd type="triangle"/>
+          </a:ln>
+        </p:spPr>
+        <p:style>
+          <a:lnRef idx="1">
+            <a:schemeClr val="accent4"/>
+          </a:lnRef>
+          <a:fillRef idx="0">
+            <a:schemeClr val="accent4"/>
+          </a:fillRef>
+          <a:effectRef idx="0">
+            <a:schemeClr val="accent4"/>
+          </a:effectRef>
+          <a:fontRef idx="minor">
+            <a:schemeClr val="tx1"/>
+          </a:fontRef>
+        </p:style>
+      </p:cxnSp>
+      <p:cxnSp>
+        <p:nvCxnSpPr>
+          <p:cNvPr id="17" name="Gerade Verbindung mit Pfeil 16">
+            <a:extLst>
+              <a:ext uri="{FF2B5EF4-FFF2-40B4-BE49-F238E27FC236}">
+                <a16:creationId xmlns:a16="http://schemas.microsoft.com/office/drawing/2014/main" id="{70099A19-7277-2E5C-3DF8-2CFCFD68377A}"/>
+              </a:ext>
+            </a:extLst>
+          </p:cNvPr>
+          <p:cNvCxnSpPr>
+            <a:cxnSpLocks/>
+          </p:cNvCxnSpPr>
+          <p:nvPr/>
+        </p:nvCxnSpPr>
+        <p:spPr>
+          <a:xfrm flipV="1">
+            <a:off x="4309450" y="4694221"/>
+            <a:ext cx="4049113" cy="674484"/>
+          </a:xfrm>
+          <a:prstGeom prst="straightConnector1">
+            <a:avLst/>
+          </a:prstGeom>
+          <a:ln>
+            <a:tailEnd type="triangle"/>
+          </a:ln>
+        </p:spPr>
+        <p:style>
+          <a:lnRef idx="1">
+            <a:schemeClr val="accent4"/>
+          </a:lnRef>
+          <a:fillRef idx="0">
+            <a:schemeClr val="accent4"/>
+          </a:fillRef>
+          <a:effectRef idx="0">
+            <a:schemeClr val="accent4"/>
+          </a:effectRef>
+          <a:fontRef idx="minor">
+            <a:schemeClr val="tx1"/>
+          </a:fontRef>
+        </p:style>
+      </p:cxnSp>
+      <p:sp>
+        <p:nvSpPr>
+          <p:cNvPr id="3" name="Rechteck 2">
+            <a:extLst>
+              <a:ext uri="{FF2B5EF4-FFF2-40B4-BE49-F238E27FC236}">
+                <a16:creationId xmlns:a16="http://schemas.microsoft.com/office/drawing/2014/main" id="{5E5B8B80-9EA8-D6A5-ED54-339B99660010}"/>
+              </a:ext>
+            </a:extLst>
+          </p:cNvPr>
+          <p:cNvSpPr/>
+          <p:nvPr/>
+        </p:nvSpPr>
+        <p:spPr>
+          <a:xfrm>
+            <a:off x="4912254" y="2945776"/>
+            <a:ext cx="2457267" cy="231989"/>
+          </a:xfrm>
+          <a:prstGeom prst="rect">
+            <a:avLst/>
+          </a:prstGeom>
+          <a:solidFill>
+            <a:schemeClr val="accent1">
+              <a:alpha val="30000"/>
+            </a:schemeClr>
+          </a:solidFill>
+          <a:ln>
+            <a:solidFill>
+              <a:srgbClr val="FF0000"/>
+            </a:solidFill>
+          </a:ln>
+        </p:spPr>
+        <p:style>
+          <a:lnRef idx="2">
+            <a:schemeClr val="accent1">
+              <a:shade val="15000"/>
+            </a:schemeClr>
+          </a:lnRef>
+          <a:fillRef idx="1">
+            <a:schemeClr val="accent1"/>
+          </a:fillRef>
+          <a:effectRef idx="0">
+            <a:schemeClr val="accent1"/>
+          </a:effectRef>
+          <a:fontRef idx="minor">
+            <a:schemeClr val="lt1"/>
+          </a:fontRef>
+        </p:style>
+        <p:txBody>
+          <a:bodyPr rtlCol="0" anchor="ctr"/>
+          <a:lstStyle/>
+          <a:p>
+            <a:pPr algn="ctr"/>
+            <a:endParaRPr lang="de-DE"/>
+          </a:p>
+        </p:txBody>
+      </p:sp>
+      <p:sp>
+        <p:nvSpPr>
+          <p:cNvPr id="5" name="Rechteck 4">
+            <a:extLst>
+              <a:ext uri="{FF2B5EF4-FFF2-40B4-BE49-F238E27FC236}">
+                <a16:creationId xmlns:a16="http://schemas.microsoft.com/office/drawing/2014/main" id="{8794DF9C-4765-70A5-C6AB-0A11CDC0F1A9}"/>
+              </a:ext>
+            </a:extLst>
+          </p:cNvPr>
+          <p:cNvSpPr/>
+          <p:nvPr/>
+        </p:nvSpPr>
+        <p:spPr>
+          <a:xfrm>
+            <a:off x="8358563" y="4578227"/>
+            <a:ext cx="2931108" cy="229164"/>
+          </a:xfrm>
+          <a:prstGeom prst="rect">
+            <a:avLst/>
+          </a:prstGeom>
+          <a:solidFill>
+            <a:schemeClr val="accent1">
+              <a:alpha val="30000"/>
+            </a:schemeClr>
+          </a:solidFill>
+          <a:ln>
+            <a:solidFill>
+              <a:srgbClr val="FF0000"/>
+            </a:solidFill>
+          </a:ln>
+        </p:spPr>
+        <p:style>
+          <a:lnRef idx="2">
+            <a:schemeClr val="accent1">
+              <a:shade val="15000"/>
+            </a:schemeClr>
+          </a:lnRef>
+          <a:fillRef idx="1">
+            <a:schemeClr val="accent1"/>
+          </a:fillRef>
+          <a:effectRef idx="0">
+            <a:schemeClr val="accent1"/>
+          </a:effectRef>
+          <a:fontRef idx="minor">
+            <a:schemeClr val="lt1"/>
+          </a:fontRef>
+        </p:style>
+        <p:txBody>
+          <a:bodyPr rtlCol="0" anchor="ctr"/>
+          <a:lstStyle/>
+          <a:p>
+            <a:pPr algn="ctr"/>
+            <a:endParaRPr lang="de-DE"/>
+          </a:p>
+        </p:txBody>
+      </p:sp>
+    </p:spTree>
+    <p:extLst>
+      <p:ext uri="{BB962C8B-B14F-4D97-AF65-F5344CB8AC3E}">
+        <p14:creationId xmlns:p14="http://schemas.microsoft.com/office/powerpoint/2010/main" val="3723979555"/>
+      </p:ext>
+    </p:extLst>
+  </p:cSld>
+  <p:clrMapOvr>
+    <a:masterClrMapping/>
+  </p:clrMapOvr>
+  <p:timing>
+    <p:tnLst>
+      <p:par>
+        <p:cTn id="1" dur="indefinite" restart="never" nodeType="tmRoot">
+          <p:childTnLst>
+            <p:seq concurrent="1" nextAc="seek">
+              <p:cTn id="2" dur="indefinite" nodeType="mainSeq">
+                <p:childTnLst>
+                  <p:par>
+                    <p:cTn id="3" fill="hold">
+                      <p:stCondLst>
+                        <p:cond delay="indefinite"/>
+                      </p:stCondLst>
+                      <p:childTnLst>
+                        <p:par>
+                          <p:cTn id="4" fill="hold">
+                            <p:stCondLst>
+                              <p:cond delay="0"/>
+                            </p:stCondLst>
+                            <p:childTnLst>
+                              <p:par>
+                                <p:cTn id="5" presetID="1" presetClass="entr" presetSubtype="0" fill="hold" grpId="0" nodeType="clickEffect">
+                                  <p:stCondLst>
+                                    <p:cond delay="0"/>
+                                  </p:stCondLst>
+                                  <p:childTnLst>
+                                    <p:set>
+                                      <p:cBhvr>
+                                        <p:cTn id="6" dur="1" fill="hold">
+                                          <p:stCondLst>
+                                            <p:cond delay="0"/>
+                                          </p:stCondLst>
+                                        </p:cTn>
+                                        <p:tgtEl>
+                                          <p:spTgt spid="3"/>
+                                        </p:tgtEl>
+                                        <p:attrNameLst>
+                                          <p:attrName>style.visibility</p:attrName>
+                                        </p:attrNameLst>
+                                      </p:cBhvr>
+                                      <p:to>
+                                        <p:strVal val="visible"/>
+                                      </p:to>
+                                    </p:set>
+                                  </p:childTnLst>
+                                </p:cTn>
+                              </p:par>
+                            </p:childTnLst>
+                          </p:cTn>
+                        </p:par>
+                      </p:childTnLst>
+                    </p:cTn>
+                  </p:par>
+                  <p:par>
+                    <p:cTn id="7" fill="hold">
+                      <p:stCondLst>
+                        <p:cond delay="indefinite"/>
+                      </p:stCondLst>
+                      <p:childTnLst>
+                        <p:par>
+                          <p:cTn id="8" fill="hold">
+                            <p:stCondLst>
+                              <p:cond delay="0"/>
+                            </p:stCondLst>
+                            <p:childTnLst>
+                              <p:par>
+                                <p:cTn id="9" presetID="1" presetClass="entr" presetSubtype="0" fill="hold" grpId="0" nodeType="clickEffect">
+                                  <p:stCondLst>
+                                    <p:cond delay="0"/>
+                                  </p:stCondLst>
+                                  <p:childTnLst>
+                                    <p:set>
+                                      <p:cBhvr>
+                                        <p:cTn id="10" dur="1" fill="hold">
+                                          <p:stCondLst>
+                                            <p:cond delay="0"/>
+                                          </p:stCondLst>
+                                        </p:cTn>
+                                        <p:tgtEl>
+                                          <p:spTgt spid="5"/>
+                                        </p:tgtEl>
+                                        <p:attrNameLst>
+                                          <p:attrName>style.visibility</p:attrName>
+                                        </p:attrNameLst>
+                                      </p:cBhvr>
+                                      <p:to>
+                                        <p:strVal val="visible"/>
+                                      </p:to>
+                                    </p:set>
+                                  </p:childTnLst>
+                                </p:cTn>
+                              </p:par>
+                            </p:childTnLst>
+                          </p:cTn>
+                        </p:par>
+                      </p:childTnLst>
+                    </p:cTn>
+                  </p:par>
+                </p:childTnLst>
+              </p:cTn>
+              <p:prevCondLst>
+                <p:cond evt="onPrev" delay="0">
+                  <p:tgtEl>
+                    <p:sldTgt/>
+                  </p:tgtEl>
+                </p:cond>
+              </p:prevCondLst>
+              <p:nextCondLst>
+                <p:cond evt="onNext" delay="0">
+                  <p:tgtEl>
+                    <p:sldTgt/>
+                  </p:tgtEl>
+                </p:cond>
+              </p:nextCondLst>
+            </p:seq>
+          </p:childTnLst>
+        </p:cTn>
+      </p:par>
+    </p:tnLst>
+    <p:bldLst>
+      <p:bldP spid="3" grpId="0" animBg="1"/>
+      <p:bldP spid="5" grpId="0" animBg="1"/>
+    </p:bldLst>
+  </p:timing>
 </p:sld>
 </file>
 
@@ -28085,6 +29437,15 @@
 </file>
 
 <file path=customXml/item2.xml><?xml version="1.0" encoding="utf-8"?>
+<?mso-contentType ?>
+<FormTemplates xmlns="http://schemas.microsoft.com/sharepoint/v3/contenttype/forms">
+  <Display>DocumentLibraryForm</Display>
+  <Edit>DocumentLibraryForm</Edit>
+  <New>DocumentLibraryForm</New>
+</FormTemplates>
+</file>
+
+<file path=customXml/item3.xml><?xml version="1.0" encoding="utf-8"?>
 <ct:contentTypeSchema xmlns:ct="http://schemas.microsoft.com/office/2006/metadata/contentType" xmlns:ma="http://schemas.microsoft.com/office/2006/metadata/properties/metaAttributes" ct:_="" ma:_="" ma:contentTypeName="Document" ma:contentTypeID="0x01010079F111ED35F8CC479449609E8A0923A6" ma:contentTypeVersion="28" ma:contentTypeDescription="Create a new document." ma:contentTypeScope="" ma:versionID="60f5a4f2d2b0abadcf532d48ebf9cb71">
   <xsd:schema xmlns:xsd="http://www.w3.org/2001/XMLSchema" xmlns:xs="http://www.w3.org/2001/XMLSchema" xmlns:p="http://schemas.microsoft.com/office/2006/metadata/properties" xmlns:ns1="http://schemas.microsoft.com/sharepoint/v3" xmlns:ns2="71af3243-3dd4-4a8d-8c0d-dd76da1f02a5" xmlns:ns3="16c05727-aa75-4e4a-9b5f-8a80a1165891" xmlns:ns4="230e9df3-be65-4c73-a93b-d1236ebd677e" targetNamespace="http://schemas.microsoft.com/office/2006/metadata/properties" ma:root="true" ma:fieldsID="7dd78129e6a1811f84807ad11c651531" ns1:_="" ns2:_="" ns3:_="" ns4:_="">
     <xsd:import namespace="http://schemas.microsoft.com/sharepoint/v3"/>
@@ -28396,15 +29757,6 @@
 </ct:contentTypeSchema>
 </file>
 
-<file path=customXml/item3.xml><?xml version="1.0" encoding="utf-8"?>
-<?mso-contentType ?>
-<FormTemplates xmlns="http://schemas.microsoft.com/sharepoint/v3/contenttype/forms">
-  <Display>DocumentLibraryForm</Display>
-  <Edit>DocumentLibraryForm</Edit>
-  <New>DocumentLibraryForm</New>
-</FormTemplates>
-</file>
-
 <file path=customXml/itemProps1.xml><?xml version="1.0" encoding="utf-8"?>
 <ds:datastoreItem xmlns:ds="http://schemas.openxmlformats.org/officeDocument/2006/customXml" ds:itemID="{0F65614A-92F9-4391-AC3D-F3F5B0704F99}">
   <ds:schemaRefs>
@@ -28418,6 +29770,14 @@
 </file>
 
 <file path=customXml/itemProps2.xml><?xml version="1.0" encoding="utf-8"?>
+<ds:datastoreItem xmlns:ds="http://schemas.openxmlformats.org/officeDocument/2006/customXml" ds:itemID="{8451406B-581B-4C29-A833-E33D8A6AB075}">
+  <ds:schemaRefs>
+    <ds:schemaRef ds:uri="http://schemas.microsoft.com/sharepoint/v3/contenttype/forms"/>
+  </ds:schemaRefs>
+</ds:datastoreItem>
+</file>
+
+<file path=customXml/itemProps3.xml><?xml version="1.0" encoding="utf-8"?>
 <ds:datastoreItem xmlns:ds="http://schemas.openxmlformats.org/officeDocument/2006/customXml" ds:itemID="{18903D25-5BE2-4D9E-B7D8-BE1DCAE2DC41}">
   <ds:schemaRefs>
     <ds:schemaRef ds:uri="http://schemas.microsoft.com/office/2006/metadata/contentType"/>
@@ -28438,14 +29798,6 @@
 </ds:datastoreItem>
 </file>
 
-<file path=customXml/itemProps3.xml><?xml version="1.0" encoding="utf-8"?>
-<ds:datastoreItem xmlns:ds="http://schemas.openxmlformats.org/officeDocument/2006/customXml" ds:itemID="{8451406B-581B-4C29-A833-E33D8A6AB075}">
-  <ds:schemaRefs>
-    <ds:schemaRef ds:uri="http://schemas.microsoft.com/sharepoint/v3/contenttype/forms"/>
-  </ds:schemaRefs>
-</ds:datastoreItem>
-</file>
-
 <file path=docMetadata/LabelInfo.xml><?xml version="1.0" encoding="utf-8"?>
 <clbl:labelList xmlns:clbl="http://schemas.microsoft.com/office/2020/mipLabelMetadata"/>
 </file>
--- a/Machine_Learning_in_Online_Marketing.pptx
+++ b/Machine_Learning_in_Online_Marketing.pptx
@@ -25888,7 +25888,7 @@
             </a:pPr>
             <a:r>
               <a:rPr lang="de-DE" sz="2400" dirty="0"/>
-              <a:t>Hinzufügen von neuen Kampagnen-Ergebnissen</a:t>
+              <a:t>Hinzufügen von neuen Kampagnen-Ergebnissen.</a:t>
             </a:r>
           </a:p>
           <a:p>
@@ -25899,7 +25899,7 @@
             </a:pPr>
             <a:r>
               <a:rPr lang="de-DE" sz="2400" dirty="0"/>
-              <a:t>Eingabe von angebotenen Liefermengen</a:t>
+              <a:t>Eingabe von angebotenen Liefermengen.</a:t>
             </a:r>
           </a:p>
           <a:p>
@@ -25910,7 +25910,7 @@
             </a:pPr>
             <a:r>
               <a:rPr lang="de-DE" sz="2400" dirty="0"/>
-              <a:t>Ausgabe von Budget-Allokation und Umsatz-Prognose</a:t>
+              <a:t>Ausgabe von Budget-Allokation für den maximal erzielbaren Umsatz.</a:t>
             </a:r>
           </a:p>
           <a:p>
@@ -29437,15 +29437,6 @@
 </file>
 
 <file path=customXml/item2.xml><?xml version="1.0" encoding="utf-8"?>
-<?mso-contentType ?>
-<FormTemplates xmlns="http://schemas.microsoft.com/sharepoint/v3/contenttype/forms">
-  <Display>DocumentLibraryForm</Display>
-  <Edit>DocumentLibraryForm</Edit>
-  <New>DocumentLibraryForm</New>
-</FormTemplates>
-</file>
-
-<file path=customXml/item3.xml><?xml version="1.0" encoding="utf-8"?>
 <ct:contentTypeSchema xmlns:ct="http://schemas.microsoft.com/office/2006/metadata/contentType" xmlns:ma="http://schemas.microsoft.com/office/2006/metadata/properties/metaAttributes" ct:_="" ma:_="" ma:contentTypeName="Document" ma:contentTypeID="0x01010079F111ED35F8CC479449609E8A0923A6" ma:contentTypeVersion="28" ma:contentTypeDescription="Create a new document." ma:contentTypeScope="" ma:versionID="60f5a4f2d2b0abadcf532d48ebf9cb71">
   <xsd:schema xmlns:xsd="http://www.w3.org/2001/XMLSchema" xmlns:xs="http://www.w3.org/2001/XMLSchema" xmlns:p="http://schemas.microsoft.com/office/2006/metadata/properties" xmlns:ns1="http://schemas.microsoft.com/sharepoint/v3" xmlns:ns2="71af3243-3dd4-4a8d-8c0d-dd76da1f02a5" xmlns:ns3="16c05727-aa75-4e4a-9b5f-8a80a1165891" xmlns:ns4="230e9df3-be65-4c73-a93b-d1236ebd677e" targetNamespace="http://schemas.microsoft.com/office/2006/metadata/properties" ma:root="true" ma:fieldsID="7dd78129e6a1811f84807ad11c651531" ns1:_="" ns2:_="" ns3:_="" ns4:_="">
     <xsd:import namespace="http://schemas.microsoft.com/sharepoint/v3"/>
@@ -29757,6 +29748,15 @@
 </ct:contentTypeSchema>
 </file>
 
+<file path=customXml/item3.xml><?xml version="1.0" encoding="utf-8"?>
+<?mso-contentType ?>
+<FormTemplates xmlns="http://schemas.microsoft.com/sharepoint/v3/contenttype/forms">
+  <Display>DocumentLibraryForm</Display>
+  <Edit>DocumentLibraryForm</Edit>
+  <New>DocumentLibraryForm</New>
+</FormTemplates>
+</file>
+
 <file path=customXml/itemProps1.xml><?xml version="1.0" encoding="utf-8"?>
 <ds:datastoreItem xmlns:ds="http://schemas.openxmlformats.org/officeDocument/2006/customXml" ds:itemID="{0F65614A-92F9-4391-AC3D-F3F5B0704F99}">
   <ds:schemaRefs>
@@ -29770,14 +29770,6 @@
 </file>
 
 <file path=customXml/itemProps2.xml><?xml version="1.0" encoding="utf-8"?>
-<ds:datastoreItem xmlns:ds="http://schemas.openxmlformats.org/officeDocument/2006/customXml" ds:itemID="{8451406B-581B-4C29-A833-E33D8A6AB075}">
-  <ds:schemaRefs>
-    <ds:schemaRef ds:uri="http://schemas.microsoft.com/sharepoint/v3/contenttype/forms"/>
-  </ds:schemaRefs>
-</ds:datastoreItem>
-</file>
-
-<file path=customXml/itemProps3.xml><?xml version="1.0" encoding="utf-8"?>
 <ds:datastoreItem xmlns:ds="http://schemas.openxmlformats.org/officeDocument/2006/customXml" ds:itemID="{18903D25-5BE2-4D9E-B7D8-BE1DCAE2DC41}">
   <ds:schemaRefs>
     <ds:schemaRef ds:uri="http://schemas.microsoft.com/office/2006/metadata/contentType"/>
@@ -29798,6 +29790,14 @@
 </ds:datastoreItem>
 </file>
 
+<file path=customXml/itemProps3.xml><?xml version="1.0" encoding="utf-8"?>
+<ds:datastoreItem xmlns:ds="http://schemas.openxmlformats.org/officeDocument/2006/customXml" ds:itemID="{8451406B-581B-4C29-A833-E33D8A6AB075}">
+  <ds:schemaRefs>
+    <ds:schemaRef ds:uri="http://schemas.microsoft.com/sharepoint/v3/contenttype/forms"/>
+  </ds:schemaRefs>
+</ds:datastoreItem>
+</file>
+
 <file path=docMetadata/LabelInfo.xml><?xml version="1.0" encoding="utf-8"?>
 <clbl:labelList xmlns:clbl="http://schemas.microsoft.com/office/2020/mipLabelMetadata"/>
 </file>